--- a/template-master.pptx
+++ b/template-master.pptx
@@ -5,14 +5,13 @@
     <p:sldMasterId id="2147483935" r:id="rId4"/>
   </p:sldMasterIdLst>
   <p:notesMasterIdLst>
-    <p:notesMasterId r:id="rId7"/>
+    <p:notesMasterId r:id="rId6"/>
   </p:notesMasterIdLst>
   <p:handoutMasterIdLst>
-    <p:handoutMasterId r:id="rId8"/>
+    <p:handoutMasterId r:id="rId7"/>
   </p:handoutMasterIdLst>
   <p:sldIdLst>
-    <p:sldId id="321" r:id="rId5"/>
-    <p:sldId id="320" r:id="rId6"/>
+    <p:sldId id="256" r:id="rId5"/>
   </p:sldIdLst>
   <p:sldSz cx="12188825" cy="6858000"/>
   <p:notesSz cx="7010400" cy="9296400"/>
@@ -256,7 +255,7 @@
           <a:p>
             <a:fld id="{0B842F42-2CE9-4E35-95C1-410DC08A50B1}" type="datetimeFigureOut">
               <a:rPr lang="en-US" smtClean="0"/>
-              <a:t>5/21/2021</a:t>
+              <a:t>7/10/2022</a:t>
             </a:fld>
             <a:endParaRPr lang="en-US"/>
           </a:p>
@@ -421,7 +420,7 @@
           <a:p>
             <a:fld id="{6F282904-F315-4730-8D91-37D99E141A6F}" type="datetimeFigureOut">
               <a:rPr lang="en-US" smtClean="0"/>
-              <a:t>5/21/2021</a:t>
+              <a:t>7/10/2022</a:t>
             </a:fld>
             <a:endParaRPr lang="en-US"/>
           </a:p>
@@ -690,7 +689,733 @@
 
 <file path=ppt/slideLayouts/slideLayout1.xml><?xml version="1.0" encoding="utf-8"?>
 <p:sldLayout xmlns:a="http://schemas.openxmlformats.org/drawingml/2006/main" xmlns:r="http://schemas.openxmlformats.org/officeDocument/2006/relationships" xmlns:p="http://schemas.openxmlformats.org/presentationml/2006/main" showMasterSp="0" preserve="1" userDrawn="1">
-  <p:cSld name="7_Title Slide">
+  <p:cSld name="9_Title Slide">
+    <p:spTree>
+      <p:nvGrpSpPr>
+        <p:cNvPr id="1" name=""/>
+        <p:cNvGrpSpPr/>
+        <p:nvPr/>
+      </p:nvGrpSpPr>
+      <p:grpSpPr>
+        <a:xfrm>
+          <a:off x="0" y="0"/>
+          <a:ext cx="0" cy="0"/>
+          <a:chOff x="0" y="0"/>
+          <a:chExt cx="0" cy="0"/>
+        </a:xfrm>
+      </p:grpSpPr>
+      <p:sp>
+        <p:nvSpPr>
+          <p:cNvPr id="4" name="Rectangle 3">
+            <a:extLst>
+              <a:ext uri="{FF2B5EF4-FFF2-40B4-BE49-F238E27FC236}">
+                <a16:creationId xmlns:a16="http://schemas.microsoft.com/office/drawing/2014/main" id="{2E2177C6-060C-4445-8C10-ADA6D3CE5F74}"/>
+              </a:ext>
+            </a:extLst>
+          </p:cNvPr>
+          <p:cNvSpPr/>
+          <p:nvPr userDrawn="1"/>
+        </p:nvSpPr>
+        <p:spPr>
+          <a:xfrm>
+            <a:off x="0" y="6186396"/>
+            <a:ext cx="12188825" cy="671604"/>
+          </a:xfrm>
+          <a:prstGeom prst="rect">
+            <a:avLst/>
+          </a:prstGeom>
+          <a:solidFill>
+            <a:schemeClr val="accent1">
+              <a:lumMod val="75000"/>
+            </a:schemeClr>
+          </a:solidFill>
+          <a:ln>
+            <a:noFill/>
+          </a:ln>
+          <a:effectLst/>
+          <a:scene3d>
+            <a:camera prst="orthographicFront">
+              <a:rot lat="0" lon="0" rev="0"/>
+            </a:camera>
+            <a:lightRig rig="threePt" dir="t">
+              <a:rot lat="0" lon="0" rev="1200000"/>
+            </a:lightRig>
+          </a:scene3d>
+          <a:sp3d/>
+        </p:spPr>
+        <p:style>
+          <a:lnRef idx="0">
+            <a:schemeClr val="accent1"/>
+          </a:lnRef>
+          <a:fillRef idx="3">
+            <a:schemeClr val="accent1"/>
+          </a:fillRef>
+          <a:effectRef idx="3">
+            <a:schemeClr val="accent1"/>
+          </a:effectRef>
+          <a:fontRef idx="minor">
+            <a:schemeClr val="lt1"/>
+          </a:fontRef>
+        </p:style>
+        <p:txBody>
+          <a:bodyPr rot="0" spcFirstLastPara="0" vertOverflow="overflow" horzOverflow="overflow" vert="horz" wrap="square" lIns="548640" tIns="45720" rIns="45720" bIns="45720" numCol="1" spcCol="0" rtlCol="0" fromWordArt="0" anchor="ctr" anchorCtr="0" forceAA="0" compatLnSpc="1">
+            <a:prstTxWarp prst="textNoShape">
+              <a:avLst/>
+            </a:prstTxWarp>
+            <a:noAutofit/>
+          </a:bodyPr>
+          <a:lstStyle/>
+          <a:p>
+            <a:pPr algn="l">
+              <a:lnSpc>
+                <a:spcPct val="90000"/>
+              </a:lnSpc>
+            </a:pPr>
+            <a:r>
+              <a:rPr lang="en-US" sz="1600" dirty="0">
+                <a:ln>
+                  <a:noFill/>
+                </a:ln>
+                <a:solidFill>
+                  <a:schemeClr val="bg1"/>
+                </a:solidFill>
+              </a:rPr>
+              <a:t>exascaleproject.org</a:t>
+            </a:r>
+          </a:p>
+        </p:txBody>
+      </p:sp>
+      <p:sp>
+        <p:nvSpPr>
+          <p:cNvPr id="22" name="Rectangle 21"/>
+          <p:cNvSpPr/>
+          <p:nvPr userDrawn="1"/>
+        </p:nvSpPr>
+        <p:spPr>
+          <a:xfrm>
+            <a:off x="8305800" y="5921829"/>
+            <a:ext cx="3883025" cy="936171"/>
+          </a:xfrm>
+          <a:prstGeom prst="rect">
+            <a:avLst/>
+          </a:prstGeom>
+          <a:noFill/>
+          <a:ln>
+            <a:noFill/>
+          </a:ln>
+          <a:effectLst/>
+          <a:scene3d>
+            <a:camera prst="orthographicFront">
+              <a:rot lat="0" lon="0" rev="0"/>
+            </a:camera>
+            <a:lightRig rig="threePt" dir="t">
+              <a:rot lat="0" lon="0" rev="1200000"/>
+            </a:lightRig>
+          </a:scene3d>
+          <a:sp3d/>
+        </p:spPr>
+        <p:style>
+          <a:lnRef idx="0">
+            <a:schemeClr val="accent1"/>
+          </a:lnRef>
+          <a:fillRef idx="3">
+            <a:schemeClr val="accent1"/>
+          </a:fillRef>
+          <a:effectRef idx="3">
+            <a:schemeClr val="accent1"/>
+          </a:effectRef>
+          <a:fontRef idx="minor">
+            <a:schemeClr val="lt1"/>
+          </a:fontRef>
+        </p:style>
+        <p:txBody>
+          <a:bodyPr rot="0" spcFirstLastPara="0" vertOverflow="overflow" horzOverflow="overflow" vert="horz" wrap="square" lIns="45720" tIns="45720" rIns="45720" bIns="45720" numCol="1" spcCol="0" rtlCol="0" fromWordArt="0" anchor="ctr" anchorCtr="0" forceAA="0" compatLnSpc="1">
+            <a:prstTxWarp prst="textNoShape">
+              <a:avLst/>
+            </a:prstTxWarp>
+            <a:noAutofit/>
+          </a:bodyPr>
+          <a:lstStyle/>
+          <a:p>
+            <a:pPr algn="ctr">
+              <a:lnSpc>
+                <a:spcPct val="90000"/>
+              </a:lnSpc>
+            </a:pPr>
+            <a:endParaRPr lang="en-US" dirty="0">
+              <a:solidFill>
+                <a:schemeClr val="tx1"/>
+              </a:solidFill>
+            </a:endParaRPr>
+          </a:p>
+        </p:txBody>
+      </p:sp>
+      <p:sp>
+        <p:nvSpPr>
+          <p:cNvPr id="2" name="Title 1"/>
+          <p:cNvSpPr>
+            <a:spLocks noGrp="1"/>
+          </p:cNvSpPr>
+          <p:nvPr userDrawn="1">
+            <p:ph type="ctrTitle"/>
+          </p:nvPr>
+        </p:nvSpPr>
+        <p:spPr>
+          <a:xfrm>
+            <a:off x="3177633" y="503144"/>
+            <a:ext cx="8292316" cy="1030930"/>
+          </a:xfrm>
+        </p:spPr>
+        <p:txBody>
+          <a:bodyPr anchor="b"/>
+          <a:lstStyle>
+            <a:lvl1pPr algn="l">
+              <a:defRPr sz="3200" b="1">
+                <a:solidFill>
+                  <a:schemeClr val="tx1"/>
+                </a:solidFill>
+                <a:latin typeface="+mn-lt"/>
+              </a:defRPr>
+            </a:lvl1pPr>
+          </a:lstStyle>
+          <a:p>
+            <a:r>
+              <a:rPr lang="en-US" dirty="0"/>
+              <a:t>Click to edit Master title style</a:t>
+            </a:r>
+          </a:p>
+        </p:txBody>
+      </p:sp>
+      <p:pic>
+        <p:nvPicPr>
+          <p:cNvPr id="12" name="Picture 11"/>
+          <p:cNvPicPr>
+            <a:picLocks noChangeAspect="1"/>
+          </p:cNvPicPr>
+          <p:nvPr userDrawn="1"/>
+        </p:nvPicPr>
+        <p:blipFill>
+          <a:blip r:embed="rId2" cstate="print">
+            <a:extLst>
+              <a:ext uri="{28A0092B-C50C-407E-A947-70E740481C1C}">
+                <a14:useLocalDpi xmlns:a14="http://schemas.microsoft.com/office/drawing/2010/main" val="0"/>
+              </a:ext>
+            </a:extLst>
+          </a:blip>
+          <a:stretch>
+            <a:fillRect/>
+          </a:stretch>
+        </p:blipFill>
+        <p:spPr>
+          <a:xfrm>
+            <a:off x="362749" y="483164"/>
+            <a:ext cx="2050840" cy="935496"/>
+          </a:xfrm>
+          <a:prstGeom prst="rect">
+            <a:avLst/>
+          </a:prstGeom>
+        </p:spPr>
+      </p:pic>
+      <p:pic>
+        <p:nvPicPr>
+          <p:cNvPr id="16" name="Picture 15"/>
+          <p:cNvPicPr>
+            <a:picLocks noChangeAspect="1"/>
+          </p:cNvPicPr>
+          <p:nvPr userDrawn="1"/>
+        </p:nvPicPr>
+        <p:blipFill>
+          <a:blip r:embed="rId3" cstate="print">
+            <a:extLst>
+              <a:ext uri="{BEBA8EAE-BF5A-486C-A8C5-ECC9F3942E4B}">
+                <a14:imgProps xmlns:a14="http://schemas.microsoft.com/office/drawing/2010/main">
+                  <a14:imgLayer r:embed="rId4">
+                    <a14:imgEffect>
+                      <a14:brightnessContrast bright="100000"/>
+                    </a14:imgEffect>
+                  </a14:imgLayer>
+                </a14:imgProps>
+              </a:ext>
+              <a:ext uri="{28A0092B-C50C-407E-A947-70E740481C1C}">
+                <a14:useLocalDpi xmlns:a14="http://schemas.microsoft.com/office/drawing/2010/main" val="0"/>
+              </a:ext>
+            </a:extLst>
+          </a:blip>
+          <a:stretch>
+            <a:fillRect/>
+          </a:stretch>
+        </p:blipFill>
+        <p:spPr>
+          <a:xfrm>
+            <a:off x="7289921" y="6322747"/>
+            <a:ext cx="2409477" cy="401008"/>
+          </a:xfrm>
+          <a:prstGeom prst="rect">
+            <a:avLst/>
+          </a:prstGeom>
+        </p:spPr>
+      </p:pic>
+      <p:pic>
+        <p:nvPicPr>
+          <p:cNvPr id="17" name="Picture 16"/>
+          <p:cNvPicPr>
+            <a:picLocks noChangeAspect="1"/>
+          </p:cNvPicPr>
+          <p:nvPr userDrawn="1"/>
+        </p:nvPicPr>
+        <p:blipFill rotWithShape="1">
+          <a:blip r:embed="rId5" cstate="print">
+            <a:extLst>
+              <a:ext uri="{BEBA8EAE-BF5A-486C-A8C5-ECC9F3942E4B}">
+                <a14:imgProps xmlns:a14="http://schemas.microsoft.com/office/drawing/2010/main">
+                  <a14:imgLayer r:embed="rId6">
+                    <a14:imgEffect>
+                      <a14:brightnessContrast bright="100000"/>
+                    </a14:imgEffect>
+                  </a14:imgLayer>
+                </a14:imgProps>
+              </a:ext>
+              <a:ext uri="{28A0092B-C50C-407E-A947-70E740481C1C}">
+                <a14:useLocalDpi xmlns:a14="http://schemas.microsoft.com/office/drawing/2010/main" val="0"/>
+              </a:ext>
+            </a:extLst>
+          </a:blip>
+          <a:srcRect b="70693"/>
+          <a:stretch/>
+        </p:blipFill>
+        <p:spPr>
+          <a:xfrm>
+            <a:off x="10204521" y="6307740"/>
+            <a:ext cx="1367541" cy="428915"/>
+          </a:xfrm>
+          <a:prstGeom prst="rect">
+            <a:avLst/>
+          </a:prstGeom>
+        </p:spPr>
+      </p:pic>
+      <p:pic>
+        <p:nvPicPr>
+          <p:cNvPr id="8" name="Picture 7" descr="A picture containing shape&#10;&#10;Description automatically generated">
+            <a:extLst>
+              <a:ext uri="{FF2B5EF4-FFF2-40B4-BE49-F238E27FC236}">
+                <a16:creationId xmlns:a16="http://schemas.microsoft.com/office/drawing/2014/main" id="{C432A180-7341-4E28-8C2B-73F9AB53D13F}"/>
+              </a:ext>
+            </a:extLst>
+          </p:cNvPr>
+          <p:cNvPicPr>
+            <a:picLocks noChangeAspect="1"/>
+          </p:cNvPicPr>
+          <p:nvPr userDrawn="1"/>
+        </p:nvPicPr>
+        <p:blipFill>
+          <a:blip r:embed="rId7">
+            <a:extLst>
+              <a:ext uri="{28A0092B-C50C-407E-A947-70E740481C1C}">
+                <a14:useLocalDpi xmlns:a14="http://schemas.microsoft.com/office/drawing/2010/main" val="0"/>
+              </a:ext>
+            </a:extLst>
+          </a:blip>
+          <a:stretch>
+            <a:fillRect/>
+          </a:stretch>
+        </p:blipFill>
+        <p:spPr>
+          <a:xfrm>
+            <a:off x="333920" y="1848659"/>
+            <a:ext cx="2108499" cy="914400"/>
+          </a:xfrm>
+          <a:prstGeom prst="rect">
+            <a:avLst/>
+          </a:prstGeom>
+        </p:spPr>
+      </p:pic>
+      <p:pic>
+        <p:nvPicPr>
+          <p:cNvPr id="13" name="Picture 2" descr="https://licensebuttons.net/l/by/4.0/88x31.png">
+            <a:extLst>
+              <a:ext uri="{FF2B5EF4-FFF2-40B4-BE49-F238E27FC236}">
+                <a16:creationId xmlns:a16="http://schemas.microsoft.com/office/drawing/2014/main" id="{FAFD7D99-41CA-4FD0-9396-9C5659F22045}"/>
+              </a:ext>
+            </a:extLst>
+          </p:cNvPr>
+          <p:cNvPicPr>
+            <a:picLocks noChangeAspect="1" noChangeArrowheads="1"/>
+          </p:cNvPicPr>
+          <p:nvPr userDrawn="1"/>
+        </p:nvPicPr>
+        <p:blipFill>
+          <a:blip r:embed="rId8">
+            <a:extLst>
+              <a:ext uri="{28A0092B-C50C-407E-A947-70E740481C1C}">
+                <a14:useLocalDpi xmlns:a14="http://schemas.microsoft.com/office/drawing/2010/main" val="0"/>
+              </a:ext>
+            </a:extLst>
+          </a:blip>
+          <a:srcRect/>
+          <a:stretch>
+            <a:fillRect/>
+          </a:stretch>
+        </p:blipFill>
+        <p:spPr bwMode="auto">
+          <a:xfrm>
+            <a:off x="969069" y="5841262"/>
+            <a:ext cx="838200" cy="295275"/>
+          </a:xfrm>
+          <a:prstGeom prst="rect">
+            <a:avLst/>
+          </a:prstGeom>
+          <a:noFill/>
+          <a:extLst>
+            <a:ext uri="{909E8E84-426E-40DD-AFC4-6F175D3DCCD1}">
+              <a14:hiddenFill xmlns:a14="http://schemas.microsoft.com/office/drawing/2010/main">
+                <a:solidFill>
+                  <a:srgbClr val="FFFFFF"/>
+                </a:solidFill>
+              </a14:hiddenFill>
+            </a:ext>
+          </a:extLst>
+        </p:spPr>
+      </p:pic>
+      <p:sp>
+        <p:nvSpPr>
+          <p:cNvPr id="14" name="TextBox 13">
+            <a:extLst>
+              <a:ext uri="{FF2B5EF4-FFF2-40B4-BE49-F238E27FC236}">
+                <a16:creationId xmlns:a16="http://schemas.microsoft.com/office/drawing/2014/main" id="{9D022D1C-99FF-490C-8690-D8081D33C0AF}"/>
+              </a:ext>
+            </a:extLst>
+          </p:cNvPr>
+          <p:cNvSpPr txBox="1"/>
+          <p:nvPr userDrawn="1"/>
+        </p:nvSpPr>
+        <p:spPr>
+          <a:xfrm>
+            <a:off x="1810964" y="5776533"/>
+            <a:ext cx="1171114" cy="424732"/>
+          </a:xfrm>
+          <a:prstGeom prst="rect">
+            <a:avLst/>
+          </a:prstGeom>
+          <a:noFill/>
+        </p:spPr>
+        <p:txBody>
+          <a:bodyPr wrap="square" rtlCol="0">
+            <a:spAutoFit/>
+          </a:bodyPr>
+          <a:lstStyle/>
+          <a:p>
+            <a:pPr algn="ctr">
+              <a:lnSpc>
+                <a:spcPct val="90000"/>
+              </a:lnSpc>
+            </a:pPr>
+            <a:r>
+              <a:rPr lang="en-US" sz="1200" dirty="0"/>
+              <a:t>See slide 2 for license details</a:t>
+            </a:r>
+          </a:p>
+        </p:txBody>
+      </p:sp>
+      <p:pic>
+        <p:nvPicPr>
+          <p:cNvPr id="15" name="Picture 14">
+            <a:extLst>
+              <a:ext uri="{FF2B5EF4-FFF2-40B4-BE49-F238E27FC236}">
+                <a16:creationId xmlns:a16="http://schemas.microsoft.com/office/drawing/2014/main" id="{C554CDC7-44CF-4751-9869-0265C8E01840}"/>
+              </a:ext>
+            </a:extLst>
+          </p:cNvPr>
+          <p:cNvPicPr>
+            <a:picLocks noChangeAspect="1"/>
+          </p:cNvPicPr>
+          <p:nvPr userDrawn="1"/>
+        </p:nvPicPr>
+        <p:blipFill>
+          <a:blip r:embed="rId9" cstate="print">
+            <a:extLst>
+              <a:ext uri="{28A0092B-C50C-407E-A947-70E740481C1C}">
+                <a14:useLocalDpi xmlns:a14="http://schemas.microsoft.com/office/drawing/2010/main" val="0"/>
+              </a:ext>
+            </a:extLst>
+          </a:blip>
+          <a:stretch>
+            <a:fillRect/>
+          </a:stretch>
+        </p:blipFill>
+        <p:spPr>
+          <a:xfrm>
+            <a:off x="333211" y="3189686"/>
+            <a:ext cx="2109916" cy="905256"/>
+          </a:xfrm>
+          <a:prstGeom prst="rect">
+            <a:avLst/>
+          </a:prstGeom>
+        </p:spPr>
+      </p:pic>
+      <p:sp>
+        <p:nvSpPr>
+          <p:cNvPr id="6" name="Text Placeholder 5">
+            <a:extLst>
+              <a:ext uri="{FF2B5EF4-FFF2-40B4-BE49-F238E27FC236}">
+                <a16:creationId xmlns:a16="http://schemas.microsoft.com/office/drawing/2014/main" id="{516372F2-F09E-4139-B638-4F1B290B77B9}"/>
+              </a:ext>
+            </a:extLst>
+          </p:cNvPr>
+          <p:cNvSpPr>
+            <a:spLocks noGrp="1"/>
+          </p:cNvSpPr>
+          <p:nvPr>
+            <p:ph type="body" sz="quarter" idx="10" hasCustomPrompt="1"/>
+          </p:nvPr>
+        </p:nvSpPr>
+        <p:spPr>
+          <a:xfrm>
+            <a:off x="9335896" y="5913283"/>
+            <a:ext cx="2852929" cy="262814"/>
+          </a:xfrm>
+        </p:spPr>
+        <p:txBody>
+          <a:bodyPr/>
+          <a:lstStyle>
+            <a:lvl1pPr marL="0" indent="0" algn="r">
+              <a:buNone/>
+              <a:defRPr sz="1200"/>
+            </a:lvl1pPr>
+          </a:lstStyle>
+          <a:p>
+            <a:pPr lvl="0"/>
+            <a:r>
+              <a:rPr lang="en-US" dirty="0"/>
+              <a:t>R&amp;R number (if required)</a:t>
+            </a:r>
+          </a:p>
+        </p:txBody>
+      </p:sp>
+      <p:sp>
+        <p:nvSpPr>
+          <p:cNvPr id="9" name="Text Placeholder 8">
+            <a:extLst>
+              <a:ext uri="{FF2B5EF4-FFF2-40B4-BE49-F238E27FC236}">
+                <a16:creationId xmlns:a16="http://schemas.microsoft.com/office/drawing/2014/main" id="{7A08ED72-5D36-44C1-A3D6-C72E158E1FA6}"/>
+              </a:ext>
+            </a:extLst>
+          </p:cNvPr>
+          <p:cNvSpPr>
+            <a:spLocks noGrp="1"/>
+          </p:cNvSpPr>
+          <p:nvPr>
+            <p:ph type="body" sz="quarter" idx="11" hasCustomPrompt="1"/>
+          </p:nvPr>
+        </p:nvSpPr>
+        <p:spPr>
+          <a:xfrm>
+            <a:off x="3176924" y="2085870"/>
+            <a:ext cx="2427268" cy="424732"/>
+          </a:xfrm>
+        </p:spPr>
+        <p:txBody>
+          <a:bodyPr wrap="none">
+            <a:spAutoFit/>
+          </a:bodyPr>
+          <a:lstStyle>
+            <a:lvl1pPr marL="0" indent="0">
+              <a:buNone/>
+              <a:defRPr u="sng"/>
+            </a:lvl1pPr>
+          </a:lstStyle>
+          <a:p>
+            <a:pPr lvl="0"/>
+            <a:r>
+              <a:rPr lang="en-US" dirty="0"/>
+              <a:t>Presenter Name</a:t>
+            </a:r>
+          </a:p>
+        </p:txBody>
+      </p:sp>
+      <p:sp>
+        <p:nvSpPr>
+          <p:cNvPr id="11" name="Text Placeholder 10">
+            <a:extLst>
+              <a:ext uri="{FF2B5EF4-FFF2-40B4-BE49-F238E27FC236}">
+                <a16:creationId xmlns:a16="http://schemas.microsoft.com/office/drawing/2014/main" id="{07C2C5E0-3F9A-4B6C-82C6-FEE7176DA8DC}"/>
+              </a:ext>
+            </a:extLst>
+          </p:cNvPr>
+          <p:cNvSpPr>
+            <a:spLocks noGrp="1"/>
+          </p:cNvSpPr>
+          <p:nvPr>
+            <p:ph type="body" sz="quarter" idx="12" hasCustomPrompt="1"/>
+          </p:nvPr>
+        </p:nvSpPr>
+        <p:spPr>
+          <a:xfrm>
+            <a:off x="5667411" y="2134517"/>
+            <a:ext cx="1690167" cy="376085"/>
+          </a:xfrm>
+        </p:spPr>
+        <p:txBody>
+          <a:bodyPr>
+            <a:spAutoFit/>
+          </a:bodyPr>
+          <a:lstStyle>
+            <a:lvl1pPr marL="0" indent="0">
+              <a:buNone/>
+              <a:defRPr sz="2000"/>
+            </a:lvl1pPr>
+          </a:lstStyle>
+          <a:p>
+            <a:pPr lvl="0"/>
+            <a:r>
+              <a:rPr lang="en-US" dirty="0"/>
+              <a:t>(pronouns)</a:t>
+            </a:r>
+          </a:p>
+        </p:txBody>
+      </p:sp>
+      <p:sp>
+        <p:nvSpPr>
+          <p:cNvPr id="20" name="Text Placeholder 10">
+            <a:extLst>
+              <a:ext uri="{FF2B5EF4-FFF2-40B4-BE49-F238E27FC236}">
+                <a16:creationId xmlns:a16="http://schemas.microsoft.com/office/drawing/2014/main" id="{6EE16D41-009C-4DB1-A6DF-FEBADC8C343B}"/>
+              </a:ext>
+            </a:extLst>
+          </p:cNvPr>
+          <p:cNvSpPr>
+            <a:spLocks noGrp="1"/>
+          </p:cNvSpPr>
+          <p:nvPr>
+            <p:ph type="body" sz="quarter" idx="13" hasCustomPrompt="1"/>
+          </p:nvPr>
+        </p:nvSpPr>
+        <p:spPr>
+          <a:xfrm>
+            <a:off x="3176924" y="2459716"/>
+            <a:ext cx="8292315" cy="369332"/>
+          </a:xfrm>
+        </p:spPr>
+        <p:txBody>
+          <a:bodyPr wrap="square">
+            <a:spAutoFit/>
+          </a:bodyPr>
+          <a:lstStyle>
+            <a:lvl1pPr marL="0" indent="0">
+              <a:buNone/>
+              <a:defRPr sz="2000"/>
+            </a:lvl1pPr>
+          </a:lstStyle>
+          <a:p>
+            <a:pPr lvl="0"/>
+            <a:r>
+              <a:rPr lang="en-US" dirty="0"/>
+              <a:t>Long affiliation</a:t>
+            </a:r>
+          </a:p>
+        </p:txBody>
+      </p:sp>
+      <p:sp>
+        <p:nvSpPr>
+          <p:cNvPr id="21" name="Text Placeholder 10">
+            <a:extLst>
+              <a:ext uri="{FF2B5EF4-FFF2-40B4-BE49-F238E27FC236}">
+                <a16:creationId xmlns:a16="http://schemas.microsoft.com/office/drawing/2014/main" id="{8E791C6E-DB06-44D1-AB4E-AA0EF8215FBB}"/>
+              </a:ext>
+            </a:extLst>
+          </p:cNvPr>
+          <p:cNvSpPr>
+            <a:spLocks noGrp="1"/>
+          </p:cNvSpPr>
+          <p:nvPr>
+            <p:ph type="body" sz="quarter" idx="14" hasCustomPrompt="1"/>
+          </p:nvPr>
+        </p:nvSpPr>
+        <p:spPr>
+          <a:xfrm>
+            <a:off x="3176925" y="3161813"/>
+            <a:ext cx="8292316" cy="369332"/>
+          </a:xfrm>
+        </p:spPr>
+        <p:txBody>
+          <a:bodyPr wrap="square">
+            <a:spAutoFit/>
+          </a:bodyPr>
+          <a:lstStyle>
+            <a:lvl1pPr marL="0" indent="0">
+              <a:buNone/>
+              <a:defRPr sz="2000"/>
+            </a:lvl1pPr>
+          </a:lstStyle>
+          <a:p>
+            <a:pPr lvl="0"/>
+            <a:r>
+              <a:rPr lang="en-US" dirty="0"/>
+              <a:t>Tutorial title @ Venue</a:t>
+            </a:r>
+          </a:p>
+        </p:txBody>
+      </p:sp>
+      <p:sp>
+        <p:nvSpPr>
+          <p:cNvPr id="23" name="Text Placeholder 10">
+            <a:extLst>
+              <a:ext uri="{FF2B5EF4-FFF2-40B4-BE49-F238E27FC236}">
+                <a16:creationId xmlns:a16="http://schemas.microsoft.com/office/drawing/2014/main" id="{AA4CD3CE-55B5-4132-9AC3-B94506768C36}"/>
+              </a:ext>
+            </a:extLst>
+          </p:cNvPr>
+          <p:cNvSpPr>
+            <a:spLocks noGrp="1"/>
+          </p:cNvSpPr>
+          <p:nvPr>
+            <p:ph type="body" sz="quarter" idx="15" hasCustomPrompt="1"/>
+          </p:nvPr>
+        </p:nvSpPr>
+        <p:spPr>
+          <a:xfrm>
+            <a:off x="3176924" y="3792588"/>
+            <a:ext cx="8292316" cy="646331"/>
+          </a:xfrm>
+        </p:spPr>
+        <p:txBody>
+          <a:bodyPr wrap="square">
+            <a:spAutoFit/>
+          </a:bodyPr>
+          <a:lstStyle>
+            <a:lvl1pPr marL="0" indent="0">
+              <a:buNone/>
+              <a:defRPr sz="2000"/>
+            </a:lvl1pPr>
+          </a:lstStyle>
+          <a:p>
+            <a:pPr>
+              <a:spcBef>
+                <a:spcPts val="2800"/>
+              </a:spcBef>
+            </a:pPr>
+            <a:r>
+              <a:rPr lang="en-US" sz="2000" dirty="0"/>
+              <a:t>Contributors: Contributor Name (short affiliation), … in alphabetical order</a:t>
+            </a:r>
+          </a:p>
+        </p:txBody>
+      </p:sp>
+    </p:spTree>
+    <p:extLst>
+      <p:ext uri="{BB962C8B-B14F-4D97-AF65-F5344CB8AC3E}">
+        <p14:creationId xmlns:p14="http://schemas.microsoft.com/office/powerpoint/2010/main" val="4107341702"/>
+      </p:ext>
+    </p:extLst>
+  </p:cSld>
+  <p:clrMapOvr>
+    <a:masterClrMapping/>
+  </p:clrMapOvr>
+</p:sldLayout>
+</file>
+
+<file path=ppt/slideLayouts/slideLayout2.xml><?xml version="1.0" encoding="utf-8"?>
+<p:sldLayout xmlns:a="http://schemas.openxmlformats.org/drawingml/2006/main" xmlns:r="http://schemas.openxmlformats.org/officeDocument/2006/relationships" xmlns:p="http://schemas.openxmlformats.org/presentationml/2006/main" showMasterSp="0" preserve="1" userDrawn="1">
+  <p:cSld name="8_Title Slide">
     <p:spTree>
       <p:nvGrpSpPr>
         <p:cNvPr id="1" name=""/>
@@ -1029,481 +1754,6 @@
         </p:blipFill>
         <p:spPr>
           <a:xfrm>
-            <a:off x="360639" y="483164"/>
-            <a:ext cx="2050840" cy="935496"/>
-          </a:xfrm>
-          <a:prstGeom prst="rect">
-            <a:avLst/>
-          </a:prstGeom>
-        </p:spPr>
-      </p:pic>
-      <p:pic>
-        <p:nvPicPr>
-          <p:cNvPr id="16" name="Picture 15"/>
-          <p:cNvPicPr>
-            <a:picLocks noChangeAspect="1"/>
-          </p:cNvPicPr>
-          <p:nvPr userDrawn="1"/>
-        </p:nvPicPr>
-        <p:blipFill>
-          <a:blip r:embed="rId3" cstate="print">
-            <a:extLst>
-              <a:ext uri="{BEBA8EAE-BF5A-486C-A8C5-ECC9F3942E4B}">
-                <a14:imgProps xmlns:a14="http://schemas.microsoft.com/office/drawing/2010/main">
-                  <a14:imgLayer r:embed="rId4">
-                    <a14:imgEffect>
-                      <a14:brightnessContrast bright="100000"/>
-                    </a14:imgEffect>
-                  </a14:imgLayer>
-                </a14:imgProps>
-              </a:ext>
-              <a:ext uri="{28A0092B-C50C-407E-A947-70E740481C1C}">
-                <a14:useLocalDpi xmlns:a14="http://schemas.microsoft.com/office/drawing/2010/main" val="0"/>
-              </a:ext>
-            </a:extLst>
-          </a:blip>
-          <a:stretch>
-            <a:fillRect/>
-          </a:stretch>
-        </p:blipFill>
-        <p:spPr>
-          <a:xfrm>
-            <a:off x="7289921" y="6322747"/>
-            <a:ext cx="2409477" cy="401008"/>
-          </a:xfrm>
-          <a:prstGeom prst="rect">
-            <a:avLst/>
-          </a:prstGeom>
-        </p:spPr>
-      </p:pic>
-      <p:pic>
-        <p:nvPicPr>
-          <p:cNvPr id="17" name="Picture 16"/>
-          <p:cNvPicPr>
-            <a:picLocks noChangeAspect="1"/>
-          </p:cNvPicPr>
-          <p:nvPr userDrawn="1"/>
-        </p:nvPicPr>
-        <p:blipFill rotWithShape="1">
-          <a:blip r:embed="rId5" cstate="print">
-            <a:extLst>
-              <a:ext uri="{BEBA8EAE-BF5A-486C-A8C5-ECC9F3942E4B}">
-                <a14:imgProps xmlns:a14="http://schemas.microsoft.com/office/drawing/2010/main">
-                  <a14:imgLayer r:embed="rId6">
-                    <a14:imgEffect>
-                      <a14:brightnessContrast bright="100000"/>
-                    </a14:imgEffect>
-                  </a14:imgLayer>
-                </a14:imgProps>
-              </a:ext>
-              <a:ext uri="{28A0092B-C50C-407E-A947-70E740481C1C}">
-                <a14:useLocalDpi xmlns:a14="http://schemas.microsoft.com/office/drawing/2010/main" val="0"/>
-              </a:ext>
-            </a:extLst>
-          </a:blip>
-          <a:srcRect b="70693"/>
-          <a:stretch/>
-        </p:blipFill>
-        <p:spPr>
-          <a:xfrm>
-            <a:off x="10204521" y="6307740"/>
-            <a:ext cx="1367541" cy="428915"/>
-          </a:xfrm>
-          <a:prstGeom prst="rect">
-            <a:avLst/>
-          </a:prstGeom>
-        </p:spPr>
-      </p:pic>
-      <p:pic>
-        <p:nvPicPr>
-          <p:cNvPr id="8" name="Picture 7" descr="A picture containing shape&#10;&#10;Description automatically generated">
-            <a:extLst>
-              <a:ext uri="{FF2B5EF4-FFF2-40B4-BE49-F238E27FC236}">
-                <a16:creationId xmlns:a16="http://schemas.microsoft.com/office/drawing/2014/main" id="{C432A180-7341-4E28-8C2B-73F9AB53D13F}"/>
-              </a:ext>
-            </a:extLst>
-          </p:cNvPr>
-          <p:cNvPicPr>
-            <a:picLocks noChangeAspect="1"/>
-          </p:cNvPicPr>
-          <p:nvPr userDrawn="1"/>
-        </p:nvPicPr>
-        <p:blipFill>
-          <a:blip r:embed="rId7">
-            <a:extLst>
-              <a:ext uri="{28A0092B-C50C-407E-A947-70E740481C1C}">
-                <a14:useLocalDpi xmlns:a14="http://schemas.microsoft.com/office/drawing/2010/main" val="0"/>
-              </a:ext>
-            </a:extLst>
-          </a:blip>
-          <a:stretch>
-            <a:fillRect/>
-          </a:stretch>
-        </p:blipFill>
-        <p:spPr>
-          <a:xfrm>
-            <a:off x="331810" y="1848659"/>
-            <a:ext cx="2108499" cy="914400"/>
-          </a:xfrm>
-          <a:prstGeom prst="rect">
-            <a:avLst/>
-          </a:prstGeom>
-        </p:spPr>
-      </p:pic>
-    </p:spTree>
-    <p:extLst>
-      <p:ext uri="{BB962C8B-B14F-4D97-AF65-F5344CB8AC3E}">
-        <p14:creationId xmlns:p14="http://schemas.microsoft.com/office/powerpoint/2010/main" val="324926385"/>
-      </p:ext>
-    </p:extLst>
-  </p:cSld>
-  <p:clrMapOvr>
-    <a:masterClrMapping/>
-  </p:clrMapOvr>
-</p:sldLayout>
-</file>
-
-<file path=ppt/slideLayouts/slideLayout2.xml><?xml version="1.0" encoding="utf-8"?>
-<p:sldLayout xmlns:a="http://schemas.openxmlformats.org/drawingml/2006/main" xmlns:r="http://schemas.openxmlformats.org/officeDocument/2006/relationships" xmlns:p="http://schemas.openxmlformats.org/presentationml/2006/main" showMasterSp="0" preserve="1" userDrawn="1">
-  <p:cSld name="8_Title Slide">
-    <p:spTree>
-      <p:nvGrpSpPr>
-        <p:cNvPr id="1" name=""/>
-        <p:cNvGrpSpPr/>
-        <p:nvPr/>
-      </p:nvGrpSpPr>
-      <p:grpSpPr>
-        <a:xfrm>
-          <a:off x="0" y="0"/>
-          <a:ext cx="0" cy="0"/>
-          <a:chOff x="0" y="0"/>
-          <a:chExt cx="0" cy="0"/>
-        </a:xfrm>
-      </p:grpSpPr>
-      <p:sp>
-        <p:nvSpPr>
-          <p:cNvPr id="4" name="Rectangle 3">
-            <a:extLst>
-              <a:ext uri="{FF2B5EF4-FFF2-40B4-BE49-F238E27FC236}">
-                <a16:creationId xmlns:a16="http://schemas.microsoft.com/office/drawing/2014/main" id="{2E2177C6-060C-4445-8C10-ADA6D3CE5F74}"/>
-              </a:ext>
-            </a:extLst>
-          </p:cNvPr>
-          <p:cNvSpPr/>
-          <p:nvPr userDrawn="1"/>
-        </p:nvSpPr>
-        <p:spPr>
-          <a:xfrm>
-            <a:off x="0" y="6186396"/>
-            <a:ext cx="12188825" cy="671604"/>
-          </a:xfrm>
-          <a:prstGeom prst="rect">
-            <a:avLst/>
-          </a:prstGeom>
-          <a:solidFill>
-            <a:schemeClr val="accent1">
-              <a:lumMod val="75000"/>
-            </a:schemeClr>
-          </a:solidFill>
-          <a:ln>
-            <a:noFill/>
-          </a:ln>
-          <a:effectLst/>
-          <a:scene3d>
-            <a:camera prst="orthographicFront">
-              <a:rot lat="0" lon="0" rev="0"/>
-            </a:camera>
-            <a:lightRig rig="threePt" dir="t">
-              <a:rot lat="0" lon="0" rev="1200000"/>
-            </a:lightRig>
-          </a:scene3d>
-          <a:sp3d/>
-        </p:spPr>
-        <p:style>
-          <a:lnRef idx="0">
-            <a:schemeClr val="accent1"/>
-          </a:lnRef>
-          <a:fillRef idx="3">
-            <a:schemeClr val="accent1"/>
-          </a:fillRef>
-          <a:effectRef idx="3">
-            <a:schemeClr val="accent1"/>
-          </a:effectRef>
-          <a:fontRef idx="minor">
-            <a:schemeClr val="lt1"/>
-          </a:fontRef>
-        </p:style>
-        <p:txBody>
-          <a:bodyPr rot="0" spcFirstLastPara="0" vertOverflow="overflow" horzOverflow="overflow" vert="horz" wrap="square" lIns="548640" tIns="45720" rIns="45720" bIns="45720" numCol="1" spcCol="0" rtlCol="0" fromWordArt="0" anchor="ctr" anchorCtr="0" forceAA="0" compatLnSpc="1">
-            <a:prstTxWarp prst="textNoShape">
-              <a:avLst/>
-            </a:prstTxWarp>
-            <a:noAutofit/>
-          </a:bodyPr>
-          <a:lstStyle/>
-          <a:p>
-            <a:pPr algn="l">
-              <a:lnSpc>
-                <a:spcPct val="90000"/>
-              </a:lnSpc>
-            </a:pPr>
-            <a:r>
-              <a:rPr lang="en-US" sz="1600" dirty="0">
-                <a:ln>
-                  <a:noFill/>
-                </a:ln>
-                <a:solidFill>
-                  <a:schemeClr val="bg1"/>
-                </a:solidFill>
-              </a:rPr>
-              <a:t>exascaleproject.org</a:t>
-            </a:r>
-          </a:p>
-        </p:txBody>
-      </p:sp>
-      <p:sp>
-        <p:nvSpPr>
-          <p:cNvPr id="22" name="Rectangle 21"/>
-          <p:cNvSpPr/>
-          <p:nvPr userDrawn="1"/>
-        </p:nvSpPr>
-        <p:spPr>
-          <a:xfrm>
-            <a:off x="8305800" y="5921829"/>
-            <a:ext cx="3883025" cy="936171"/>
-          </a:xfrm>
-          <a:prstGeom prst="rect">
-            <a:avLst/>
-          </a:prstGeom>
-          <a:noFill/>
-          <a:ln>
-            <a:noFill/>
-          </a:ln>
-          <a:effectLst/>
-          <a:scene3d>
-            <a:camera prst="orthographicFront">
-              <a:rot lat="0" lon="0" rev="0"/>
-            </a:camera>
-            <a:lightRig rig="threePt" dir="t">
-              <a:rot lat="0" lon="0" rev="1200000"/>
-            </a:lightRig>
-          </a:scene3d>
-          <a:sp3d/>
-        </p:spPr>
-        <p:style>
-          <a:lnRef idx="0">
-            <a:schemeClr val="accent1"/>
-          </a:lnRef>
-          <a:fillRef idx="3">
-            <a:schemeClr val="accent1"/>
-          </a:fillRef>
-          <a:effectRef idx="3">
-            <a:schemeClr val="accent1"/>
-          </a:effectRef>
-          <a:fontRef idx="minor">
-            <a:schemeClr val="lt1"/>
-          </a:fontRef>
-        </p:style>
-        <p:txBody>
-          <a:bodyPr rot="0" spcFirstLastPara="0" vertOverflow="overflow" horzOverflow="overflow" vert="horz" wrap="square" lIns="45720" tIns="45720" rIns="45720" bIns="45720" numCol="1" spcCol="0" rtlCol="0" fromWordArt="0" anchor="ctr" anchorCtr="0" forceAA="0" compatLnSpc="1">
-            <a:prstTxWarp prst="textNoShape">
-              <a:avLst/>
-            </a:prstTxWarp>
-            <a:noAutofit/>
-          </a:bodyPr>
-          <a:lstStyle/>
-          <a:p>
-            <a:pPr algn="ctr">
-              <a:lnSpc>
-                <a:spcPct val="90000"/>
-              </a:lnSpc>
-            </a:pPr>
-            <a:endParaRPr lang="en-US" dirty="0">
-              <a:solidFill>
-                <a:schemeClr val="tx1"/>
-              </a:solidFill>
-            </a:endParaRPr>
-          </a:p>
-        </p:txBody>
-      </p:sp>
-      <p:sp>
-        <p:nvSpPr>
-          <p:cNvPr id="2" name="Title 1"/>
-          <p:cNvSpPr>
-            <a:spLocks noGrp="1"/>
-          </p:cNvSpPr>
-          <p:nvPr userDrawn="1">
-            <p:ph type="ctrTitle"/>
-          </p:nvPr>
-        </p:nvSpPr>
-        <p:spPr>
-          <a:xfrm>
-            <a:off x="3177633" y="503144"/>
-            <a:ext cx="8292316" cy="1030930"/>
-          </a:xfrm>
-        </p:spPr>
-        <p:txBody>
-          <a:bodyPr anchor="b"/>
-          <a:lstStyle>
-            <a:lvl1pPr algn="l">
-              <a:defRPr sz="3200" b="1">
-                <a:solidFill>
-                  <a:schemeClr val="tx1"/>
-                </a:solidFill>
-                <a:latin typeface="+mn-lt"/>
-              </a:defRPr>
-            </a:lvl1pPr>
-          </a:lstStyle>
-          <a:p>
-            <a:r>
-              <a:rPr lang="en-US"/>
-              <a:t>Click to edit Master title style</a:t>
-            </a:r>
-            <a:endParaRPr lang="en-US" dirty="0"/>
-          </a:p>
-        </p:txBody>
-      </p:sp>
-      <p:sp>
-        <p:nvSpPr>
-          <p:cNvPr id="3" name="Subtitle 2"/>
-          <p:cNvSpPr>
-            <a:spLocks noGrp="1"/>
-          </p:cNvSpPr>
-          <p:nvPr userDrawn="1">
-            <p:ph type="subTitle" idx="1"/>
-          </p:nvPr>
-        </p:nvSpPr>
-        <p:spPr>
-          <a:xfrm>
-            <a:off x="3177632" y="2085962"/>
-            <a:ext cx="8292317" cy="2855300"/>
-          </a:xfrm>
-        </p:spPr>
-        <p:txBody>
-          <a:bodyPr lIns="109728"/>
-          <a:lstStyle>
-            <a:lvl1pPr marL="0" indent="0" algn="l">
-              <a:buNone/>
-              <a:defRPr sz="2400">
-                <a:solidFill>
-                  <a:schemeClr val="tx1"/>
-                </a:solidFill>
-                <a:latin typeface="Arial" panose="020B0604020202020204" pitchFamily="34" charset="0"/>
-                <a:cs typeface="Arial" panose="020B0604020202020204" pitchFamily="34" charset="0"/>
-              </a:defRPr>
-            </a:lvl1pPr>
-            <a:lvl2pPr marL="457200" indent="0" algn="ctr">
-              <a:buNone/>
-              <a:defRPr>
-                <a:solidFill>
-                  <a:schemeClr val="tx1">
-                    <a:tint val="75000"/>
-                  </a:schemeClr>
-                </a:solidFill>
-              </a:defRPr>
-            </a:lvl2pPr>
-            <a:lvl3pPr marL="914400" indent="0" algn="ctr">
-              <a:buNone/>
-              <a:defRPr>
-                <a:solidFill>
-                  <a:schemeClr val="tx1">
-                    <a:tint val="75000"/>
-                  </a:schemeClr>
-                </a:solidFill>
-              </a:defRPr>
-            </a:lvl3pPr>
-            <a:lvl4pPr marL="1371600" indent="0" algn="ctr">
-              <a:buNone/>
-              <a:defRPr>
-                <a:solidFill>
-                  <a:schemeClr val="tx1">
-                    <a:tint val="75000"/>
-                  </a:schemeClr>
-                </a:solidFill>
-              </a:defRPr>
-            </a:lvl4pPr>
-            <a:lvl5pPr marL="1828800" indent="0" algn="ctr">
-              <a:buNone/>
-              <a:defRPr>
-                <a:solidFill>
-                  <a:schemeClr val="tx1">
-                    <a:tint val="75000"/>
-                  </a:schemeClr>
-                </a:solidFill>
-              </a:defRPr>
-            </a:lvl5pPr>
-            <a:lvl6pPr marL="2286000" indent="0" algn="ctr">
-              <a:buNone/>
-              <a:defRPr>
-                <a:solidFill>
-                  <a:schemeClr val="tx1">
-                    <a:tint val="75000"/>
-                  </a:schemeClr>
-                </a:solidFill>
-              </a:defRPr>
-            </a:lvl6pPr>
-            <a:lvl7pPr marL="2743200" indent="0" algn="ctr">
-              <a:buNone/>
-              <a:defRPr>
-                <a:solidFill>
-                  <a:schemeClr val="tx1">
-                    <a:tint val="75000"/>
-                  </a:schemeClr>
-                </a:solidFill>
-              </a:defRPr>
-            </a:lvl7pPr>
-            <a:lvl8pPr marL="3200400" indent="0" algn="ctr">
-              <a:buNone/>
-              <a:defRPr>
-                <a:solidFill>
-                  <a:schemeClr val="tx1">
-                    <a:tint val="75000"/>
-                  </a:schemeClr>
-                </a:solidFill>
-              </a:defRPr>
-            </a:lvl8pPr>
-            <a:lvl9pPr marL="3657600" indent="0" algn="ctr">
-              <a:buNone/>
-              <a:defRPr>
-                <a:solidFill>
-                  <a:schemeClr val="tx1">
-                    <a:tint val="75000"/>
-                  </a:schemeClr>
-                </a:solidFill>
-              </a:defRPr>
-            </a:lvl9pPr>
-          </a:lstStyle>
-          <a:p>
-            <a:r>
-              <a:rPr lang="en-US"/>
-              <a:t>Click to edit Master subtitle style</a:t>
-            </a:r>
-            <a:endParaRPr lang="en-US" dirty="0"/>
-          </a:p>
-        </p:txBody>
-      </p:sp>
-      <p:pic>
-        <p:nvPicPr>
-          <p:cNvPr id="12" name="Picture 11"/>
-          <p:cNvPicPr>
-            <a:picLocks noChangeAspect="1"/>
-          </p:cNvPicPr>
-          <p:nvPr userDrawn="1"/>
-        </p:nvPicPr>
-        <p:blipFill>
-          <a:blip r:embed="rId2" cstate="print">
-            <a:extLst>
-              <a:ext uri="{28A0092B-C50C-407E-A947-70E740481C1C}">
-                <a14:useLocalDpi xmlns:a14="http://schemas.microsoft.com/office/drawing/2010/main" val="0"/>
-              </a:ext>
-            </a:extLst>
-          </a:blip>
-          <a:stretch>
-            <a:fillRect/>
-          </a:stretch>
-        </p:blipFill>
-        <p:spPr>
-          <a:xfrm>
             <a:off x="362749" y="483164"/>
             <a:ext cx="2050840" cy="935496"/>
           </a:xfrm>
@@ -3585,7 +3835,7 @@
   </p:cSld>
   <p:clrMap bg1="lt1" tx1="dk1" bg2="lt2" tx2="dk2" accent1="accent1" accent2="accent2" accent3="accent3" accent4="accent4" accent5="accent5" accent6="accent6" hlink="hlink" folHlink="folHlink"/>
   <p:sldLayoutIdLst>
-    <p:sldLayoutId id="2147483949" r:id="rId1"/>
+    <p:sldLayoutId id="2147483952" r:id="rId1"/>
     <p:sldLayoutId id="2147483951" r:id="rId2"/>
     <p:sldLayoutId id="2147483937" r:id="rId3"/>
     <p:sldLayoutId id="2147483939" r:id="rId4"/>
@@ -4052,10 +4302,10 @@
       </p:grpSpPr>
       <p:sp>
         <p:nvSpPr>
-          <p:cNvPr id="4" name="Title 3">
+          <p:cNvPr id="2" name="Title 1">
             <a:extLst>
               <a:ext uri="{FF2B5EF4-FFF2-40B4-BE49-F238E27FC236}">
-                <a16:creationId xmlns:a16="http://schemas.microsoft.com/office/drawing/2014/main" id="{6CA45D1A-9319-42DA-AD5A-D9142305234C}"/>
+                <a16:creationId xmlns:a16="http://schemas.microsoft.com/office/drawing/2014/main" id="{0AAFB3B4-69DA-4728-BD80-41CE41CDE796}"/>
               </a:ext>
             </a:extLst>
           </p:cNvPr>
@@ -4071,19 +4321,16 @@
           <a:bodyPr/>
           <a:lstStyle/>
           <a:p>
-            <a:r>
-              <a:rPr lang="en-US" dirty="0"/>
-              <a:t>This is a title</a:t>
-            </a:r>
+            <a:endParaRPr lang="en-US"/>
           </a:p>
         </p:txBody>
       </p:sp>
       <p:sp>
         <p:nvSpPr>
-          <p:cNvPr id="5" name="Subtitle 4">
+          <p:cNvPr id="3" name="Text Placeholder 2">
             <a:extLst>
               <a:ext uri="{FF2B5EF4-FFF2-40B4-BE49-F238E27FC236}">
-                <a16:creationId xmlns:a16="http://schemas.microsoft.com/office/drawing/2014/main" id="{AF0F18D2-C1F4-4D63-AA73-2B830970BCBC}"/>
+                <a16:creationId xmlns:a16="http://schemas.microsoft.com/office/drawing/2014/main" id="{A99BF10E-A133-4BAB-A18B-C7563472A356}"/>
               </a:ext>
             </a:extLst>
           </p:cNvPr>
@@ -4091,7 +4338,7 @@
             <a:spLocks noGrp="1"/>
           </p:cNvSpPr>
           <p:nvPr>
-            <p:ph type="subTitle" idx="1"/>
+            <p:ph type="body" sz="quarter" idx="10"/>
           </p:nvPr>
         </p:nvSpPr>
         <p:spPr/>
@@ -4099,49 +4346,16 @@
           <a:bodyPr/>
           <a:lstStyle/>
           <a:p>
-            <a:r>
-              <a:rPr lang="en-US" dirty="0"/>
-              <a:t>This is a subtitle</a:t>
-            </a:r>
+            <a:endParaRPr lang="en-US"/>
           </a:p>
         </p:txBody>
       </p:sp>
-    </p:spTree>
-    <p:extLst>
-      <p:ext uri="{BB962C8B-B14F-4D97-AF65-F5344CB8AC3E}">
-        <p14:creationId xmlns:p14="http://schemas.microsoft.com/office/powerpoint/2010/main" val="1960815547"/>
-      </p:ext>
-    </p:extLst>
-  </p:cSld>
-  <p:clrMapOvr>
-    <a:masterClrMapping/>
-  </p:clrMapOvr>
-</p:sld>
-</file>
-
-<file path=ppt/slides/slide2.xml><?xml version="1.0" encoding="utf-8"?>
-<p:sld xmlns:a="http://schemas.openxmlformats.org/drawingml/2006/main" xmlns:r="http://schemas.openxmlformats.org/officeDocument/2006/relationships" xmlns:p="http://schemas.openxmlformats.org/presentationml/2006/main">
-  <p:cSld>
-    <p:spTree>
-      <p:nvGrpSpPr>
-        <p:cNvPr id="1" name=""/>
-        <p:cNvGrpSpPr/>
-        <p:nvPr/>
-      </p:nvGrpSpPr>
-      <p:grpSpPr>
-        <a:xfrm>
-          <a:off x="0" y="0"/>
-          <a:ext cx="0" cy="0"/>
-          <a:chOff x="0" y="0"/>
-          <a:chExt cx="0" cy="0"/>
-        </a:xfrm>
-      </p:grpSpPr>
       <p:sp>
         <p:nvSpPr>
-          <p:cNvPr id="2" name="Title 1">
+          <p:cNvPr id="4" name="Text Placeholder 3">
             <a:extLst>
               <a:ext uri="{FF2B5EF4-FFF2-40B4-BE49-F238E27FC236}">
-                <a16:creationId xmlns:a16="http://schemas.microsoft.com/office/drawing/2014/main" id="{6442C24D-D970-4D40-8F14-D70C10A96304}"/>
+                <a16:creationId xmlns:a16="http://schemas.microsoft.com/office/drawing/2014/main" id="{CAA49102-FA8F-46A7-83A0-A9A05667E16E}"/>
               </a:ext>
             </a:extLst>
           </p:cNvPr>
@@ -4149,32 +4363,24 @@
             <a:spLocks noGrp="1"/>
           </p:cNvSpPr>
           <p:nvPr>
-            <p:ph type="title"/>
+            <p:ph type="body" sz="quarter" idx="11"/>
           </p:nvPr>
         </p:nvSpPr>
-        <p:spPr>
-          <a:xfrm>
-            <a:off x="363096" y="112911"/>
-            <a:ext cx="11372473" cy="914400"/>
-          </a:xfrm>
-        </p:spPr>
+        <p:spPr/>
         <p:txBody>
           <a:bodyPr/>
           <a:lstStyle/>
           <a:p>
-            <a:r>
-              <a:rPr lang="en-US" dirty="0"/>
-              <a:t>License, Citation and Acknowledgements</a:t>
-            </a:r>
+            <a:endParaRPr lang="en-US"/>
           </a:p>
         </p:txBody>
       </p:sp>
       <p:sp>
         <p:nvSpPr>
-          <p:cNvPr id="3" name="Content Placeholder 2">
+          <p:cNvPr id="5" name="Text Placeholder 4">
             <a:extLst>
               <a:ext uri="{FF2B5EF4-FFF2-40B4-BE49-F238E27FC236}">
-                <a16:creationId xmlns:a16="http://schemas.microsoft.com/office/drawing/2014/main" id="{0385A3AB-B258-4D59-B407-F7D57545A163}"/>
+                <a16:creationId xmlns:a16="http://schemas.microsoft.com/office/drawing/2014/main" id="{65EE6617-5516-4E55-AE7E-7E31417CEDFF}"/>
               </a:ext>
             </a:extLst>
           </p:cNvPr>
@@ -4182,283 +4388,97 @@
             <a:spLocks noGrp="1"/>
           </p:cNvSpPr>
           <p:nvPr>
-            <p:ph idx="1"/>
+            <p:ph type="body" sz="quarter" idx="12"/>
           </p:nvPr>
         </p:nvSpPr>
-        <p:spPr>
-          <a:xfrm>
-            <a:off x="409507" y="570111"/>
-            <a:ext cx="11369809" cy="4047778"/>
-          </a:xfrm>
-        </p:spPr>
+        <p:spPr/>
         <p:txBody>
           <a:bodyPr/>
           <a:lstStyle/>
           <a:p>
-            <a:pPr marL="0" indent="0">
-              <a:buNone/>
-            </a:pPr>
-            <a:r>
-              <a:rPr lang="en-US" sz="2000" b="1" dirty="0"/>
-              <a:t>License and Citation</a:t>
-            </a:r>
-          </a:p>
-          <a:p>
-            <a:pPr>
-              <a:spcBef>
-                <a:spcPts val="400"/>
-              </a:spcBef>
-            </a:pPr>
-            <a:r>
-              <a:rPr lang="en-US" sz="1600" dirty="0"/>
-              <a:t>This work is licensed under a </a:t>
-            </a:r>
-            <a:r>
-              <a:rPr lang="en-US" sz="1600" dirty="0">
-                <a:hlinkClick r:id="rId2"/>
-              </a:rPr>
-              <a:t>Creative</a:t>
-            </a:r>
-            <a:r>
-              <a:rPr lang="en-US" sz="1600" dirty="0">
-                <a:hlinkClick r:id="rId3"/>
-              </a:rPr>
-              <a:t> Commons Attribution 4.0 International License</a:t>
-            </a:r>
-            <a:r>
-              <a:rPr lang="en-US" sz="1600" dirty="0"/>
-              <a:t> (CC BY 4.0).</a:t>
-            </a:r>
-          </a:p>
-          <a:p>
-            <a:pPr>
-              <a:spcBef>
-                <a:spcPts val="400"/>
-              </a:spcBef>
-            </a:pPr>
-            <a:r>
-              <a:rPr lang="en-US" sz="1600" b="1" dirty="0"/>
-              <a:t>The requested citation the overall tutorial is: David E. Bernholdt, Patricia A. Grubel, and James M. </a:t>
-            </a:r>
-            <a:r>
-              <a:rPr lang="en-US" sz="1600" b="1" dirty="0" err="1"/>
-              <a:t>Willenbring</a:t>
-            </a:r>
-            <a:r>
-              <a:rPr lang="en-US" sz="1600" b="1" dirty="0"/>
-              <a:t>, Developing a Testing and Continuous Integration Strategy for your Team tutorial, in </a:t>
-            </a:r>
-            <a:r>
-              <a:rPr lang="en-US" sz="1600" b="1" dirty="0" err="1"/>
-              <a:t>Exascale</a:t>
-            </a:r>
-            <a:r>
-              <a:rPr lang="en-US" sz="1600" b="1" dirty="0"/>
-              <a:t> Computing Project Annual Meeting, online, 2021. DOI: </a:t>
-            </a:r>
-            <a:r>
-              <a:rPr lang="en-US" sz="1600" b="1" dirty="0">
-                <a:hlinkClick r:id="rId4"/>
-              </a:rPr>
-              <a:t>10.6084/m9.figshare.14376956</a:t>
-            </a:r>
-            <a:endParaRPr lang="en-US" sz="1600" b="1" dirty="0"/>
-          </a:p>
-          <a:p>
-            <a:pPr>
-              <a:spcBef>
-                <a:spcPts val="400"/>
-              </a:spcBef>
-            </a:pPr>
-            <a:r>
-              <a:rPr lang="en-US" sz="1600" dirty="0"/>
-              <a:t>Individual modules may be cited as </a:t>
-            </a:r>
-            <a:r>
-              <a:rPr lang="en-US" sz="1600" i="1" dirty="0"/>
-              <a:t>Speaker, Module Title</a:t>
-            </a:r>
-            <a:r>
-              <a:rPr lang="en-US" sz="1600" dirty="0"/>
-              <a:t>, in Better Scientific Software tutorial…</a:t>
-            </a:r>
-          </a:p>
-          <a:p>
-            <a:pPr marL="0" indent="0">
-              <a:spcBef>
-                <a:spcPts val="800"/>
-              </a:spcBef>
-              <a:buNone/>
-            </a:pPr>
-            <a:r>
-              <a:rPr lang="en-US" sz="2000" b="1" dirty="0"/>
-              <a:t>Acknowledgements</a:t>
-            </a:r>
-          </a:p>
-          <a:p>
-            <a:pPr>
-              <a:spcBef>
-                <a:spcPts val="400"/>
-              </a:spcBef>
-            </a:pPr>
-            <a:r>
-              <a:rPr lang="en-US" sz="1400" dirty="0"/>
-              <a:t>Additional contributors include: David E. Bernholdt, Anshu Dubey, Rinku K. Gupta, Mike Heroux, Alicia </a:t>
-            </a:r>
-            <a:r>
-              <a:rPr lang="en-US" sz="1400" dirty="0" err="1"/>
-              <a:t>Klinvex</a:t>
-            </a:r>
-            <a:r>
-              <a:rPr lang="en-US" sz="1400" dirty="0"/>
-              <a:t>, Mark Miller, Jared O’Neal, Katherine Riley, David Rogers, Deborah Stevens, James </a:t>
-            </a:r>
-            <a:r>
-              <a:rPr lang="en-US" sz="1400" dirty="0" err="1"/>
-              <a:t>Willenbring</a:t>
-            </a:r>
-            <a:endParaRPr lang="en-US" sz="1400" dirty="0"/>
-          </a:p>
-          <a:p>
-            <a:pPr>
-              <a:spcBef>
-                <a:spcPts val="400"/>
-              </a:spcBef>
-            </a:pPr>
-            <a:r>
-              <a:rPr lang="en-US" sz="1400" dirty="0"/>
-              <a:t>This work was supported by the U.S. Department of Energy Office of Science, Office of Advanced Scientific Computing Research (ASCR), and by the </a:t>
-            </a:r>
-            <a:r>
-              <a:rPr lang="en-US" sz="1400" dirty="0" err="1"/>
-              <a:t>Exascale</a:t>
-            </a:r>
-            <a:r>
-              <a:rPr lang="en-US" sz="1400" dirty="0"/>
-              <a:t> Computing Project (17-SC-20-SC), a collaborative effort of the U.S. Department of Energy Office of Science and the National Nuclear Security Administration</a:t>
-            </a:r>
-            <a:r>
-              <a:rPr lang="en-US" sz="1400" i="1" dirty="0"/>
-              <a:t>.</a:t>
-            </a:r>
-            <a:endParaRPr lang="en-US" sz="1400" dirty="0"/>
-          </a:p>
-          <a:p>
-            <a:pPr>
-              <a:spcBef>
-                <a:spcPts val="400"/>
-              </a:spcBef>
-            </a:pPr>
-            <a:r>
-              <a:rPr lang="en-US" sz="1400" dirty="0"/>
-              <a:t>This work was performed in part at the Argonne National Laboratory, which is managed by </a:t>
-            </a:r>
-            <a:r>
-              <a:rPr lang="en-US" sz="1400" dirty="0" err="1"/>
-              <a:t>UChicago</a:t>
-            </a:r>
-            <a:r>
-              <a:rPr lang="en-US" sz="1400" dirty="0"/>
-              <a:t> Argonne, LLC for the U.S. Department of Energy under Contract No. DE-AC02-06CH11357.</a:t>
-            </a:r>
-          </a:p>
-          <a:p>
-            <a:pPr>
-              <a:spcBef>
-                <a:spcPts val="400"/>
-              </a:spcBef>
-            </a:pPr>
-            <a:r>
-              <a:rPr lang="en-US" sz="1400" dirty="0"/>
-              <a:t>This work was performed in part at the Oak Ridge National Laboratory, which is managed by UT-Battelle, LLC for the U.S. Department of Energy under Contract No. DE-AC05-00OR22725.</a:t>
-            </a:r>
-          </a:p>
-          <a:p>
-            <a:pPr>
-              <a:spcBef>
-                <a:spcPts val="400"/>
-              </a:spcBef>
-            </a:pPr>
-            <a:r>
-              <a:rPr lang="en-US" sz="1400" dirty="0"/>
-              <a:t>This work was performed in part at the Lawrence Livermore National Laboratory, which is managed by Lawrence Livermore National Security, LLC for the U.S. Department of Energy under Contract No. DE-AC52-07NA27344.</a:t>
-            </a:r>
-          </a:p>
-          <a:p>
-            <a:pPr>
-              <a:spcBef>
-                <a:spcPts val="400"/>
-              </a:spcBef>
-            </a:pPr>
-            <a:r>
-              <a:rPr lang="en-US" sz="1400" dirty="0"/>
-              <a:t>This work was performed in part at the Los Alamos National Laboratory, which is managed by Triad National Security, LLC for the U.S. Department of Energy under Contract No.89233218CNA000001</a:t>
-            </a:r>
-          </a:p>
-          <a:p>
-            <a:pPr>
-              <a:spcBef>
-                <a:spcPts val="400"/>
-              </a:spcBef>
-            </a:pPr>
-            <a:r>
-              <a:rPr lang="en-US" sz="1400" dirty="0"/>
-              <a:t>This work was performed in part at Sandia National Laboratories. Sandia National Laboratories is a multi-mission laboratory managed and operated by National Technology and Engineering Solutions of Sandia, LLC., a wholly owned subsidiary of Honeywell International, Inc., for the U.S. Department of Energy’s National Nuclear Security Administration under contract DE-NA0003525.</a:t>
-            </a:r>
+            <a:endParaRPr lang="en-US"/>
           </a:p>
         </p:txBody>
       </p:sp>
-      <p:pic>
-        <p:nvPicPr>
-          <p:cNvPr id="4" name="Picture 2" descr="https://licensebuttons.net/l/by/4.0/88x31.png">
+      <p:sp>
+        <p:nvSpPr>
+          <p:cNvPr id="6" name="Text Placeholder 5">
             <a:extLst>
               <a:ext uri="{FF2B5EF4-FFF2-40B4-BE49-F238E27FC236}">
-                <a16:creationId xmlns:a16="http://schemas.microsoft.com/office/drawing/2014/main" id="{61840015-22A0-4634-A2DE-AA05F998FD3A}"/>
+                <a16:creationId xmlns:a16="http://schemas.microsoft.com/office/drawing/2014/main" id="{A2D55B71-8B0F-4FB0-8981-1394D64313AD}"/>
               </a:ext>
             </a:extLst>
           </p:cNvPr>
-          <p:cNvPicPr>
-            <a:picLocks noChangeAspect="1" noChangeArrowheads="1"/>
-          </p:cNvPicPr>
-          <p:nvPr/>
-        </p:nvPicPr>
-        <p:blipFill>
-          <a:blip r:embed="rId5">
+          <p:cNvSpPr>
+            <a:spLocks noGrp="1"/>
+          </p:cNvSpPr>
+          <p:nvPr>
+            <p:ph type="body" sz="quarter" idx="13"/>
+          </p:nvPr>
+        </p:nvSpPr>
+        <p:spPr/>
+        <p:txBody>
+          <a:bodyPr/>
+          <a:lstStyle/>
+          <a:p>
+            <a:endParaRPr lang="en-US"/>
+          </a:p>
+        </p:txBody>
+      </p:sp>
+      <p:sp>
+        <p:nvSpPr>
+          <p:cNvPr id="7" name="Text Placeholder 6">
             <a:extLst>
-              <a:ext uri="{28A0092B-C50C-407E-A947-70E740481C1C}">
-                <a14:useLocalDpi xmlns:a14="http://schemas.microsoft.com/office/drawing/2010/main" val="0"/>
+              <a:ext uri="{FF2B5EF4-FFF2-40B4-BE49-F238E27FC236}">
+                <a16:creationId xmlns:a16="http://schemas.microsoft.com/office/drawing/2014/main" id="{F5829A8F-4A06-4B9D-8269-0962AD5516DA}"/>
               </a:ext>
             </a:extLst>
-          </a:blip>
-          <a:srcRect/>
-          <a:stretch>
-            <a:fillRect/>
-          </a:stretch>
-        </p:blipFill>
-        <p:spPr bwMode="auto">
-          <a:xfrm>
-            <a:off x="10249254" y="570111"/>
-            <a:ext cx="1661258" cy="585216"/>
-          </a:xfrm>
-          <a:prstGeom prst="rect">
-            <a:avLst/>
-          </a:prstGeom>
-          <a:noFill/>
-          <a:extLst>
-            <a:ext uri="{909E8E84-426E-40DD-AFC4-6F175D3DCCD1}">
-              <a14:hiddenFill xmlns:a14="http://schemas.microsoft.com/office/drawing/2010/main">
-                <a:solidFill>
-                  <a:srgbClr val="FFFFFF"/>
-                </a:solidFill>
-              </a14:hiddenFill>
-            </a:ext>
-          </a:extLst>
-        </p:spPr>
-      </p:pic>
+          </p:cNvPr>
+          <p:cNvSpPr>
+            <a:spLocks noGrp="1"/>
+          </p:cNvSpPr>
+          <p:nvPr>
+            <p:ph type="body" sz="quarter" idx="14"/>
+          </p:nvPr>
+        </p:nvSpPr>
+        <p:spPr/>
+        <p:txBody>
+          <a:bodyPr/>
+          <a:lstStyle/>
+          <a:p>
+            <a:endParaRPr lang="en-US"/>
+          </a:p>
+        </p:txBody>
+      </p:sp>
+      <p:sp>
+        <p:nvSpPr>
+          <p:cNvPr id="8" name="Text Placeholder 7">
+            <a:extLst>
+              <a:ext uri="{FF2B5EF4-FFF2-40B4-BE49-F238E27FC236}">
+                <a16:creationId xmlns:a16="http://schemas.microsoft.com/office/drawing/2014/main" id="{00425D42-C089-4CFF-BE75-87BF248450A9}"/>
+              </a:ext>
+            </a:extLst>
+          </p:cNvPr>
+          <p:cNvSpPr>
+            <a:spLocks noGrp="1"/>
+          </p:cNvSpPr>
+          <p:nvPr>
+            <p:ph type="body" sz="quarter" idx="15"/>
+          </p:nvPr>
+        </p:nvSpPr>
+        <p:spPr/>
+        <p:txBody>
+          <a:bodyPr/>
+          <a:lstStyle/>
+          <a:p>
+            <a:endParaRPr lang="en-US"/>
+          </a:p>
+        </p:txBody>
+      </p:sp>
     </p:spTree>
     <p:extLst>
       <p:ext uri="{BB962C8B-B14F-4D97-AF65-F5344CB8AC3E}">
-        <p14:creationId xmlns:p14="http://schemas.microsoft.com/office/powerpoint/2010/main" val="978726433"/>
+        <p14:creationId xmlns:p14="http://schemas.microsoft.com/office/powerpoint/2010/main" val="2194705569"/>
       </p:ext>
     </p:extLst>
   </p:cSld>

--- a/template-master.pptx
+++ b/template-master.pptx
@@ -255,7 +255,7 @@
           <a:p>
             <a:fld id="{0B842F42-2CE9-4E35-95C1-410DC08A50B1}" type="datetimeFigureOut">
               <a:rPr lang="en-US" smtClean="0"/>
-              <a:t>7/10/2022</a:t>
+              <a:t>4/28/2024</a:t>
             </a:fld>
             <a:endParaRPr lang="en-US"/>
           </a:p>
@@ -420,7 +420,7 @@
           <a:p>
             <a:fld id="{6F282904-F315-4730-8D91-37D99E141A6F}" type="datetimeFigureOut">
               <a:rPr lang="en-US" smtClean="0"/>
-              <a:t>7/10/2022</a:t>
+              <a:t>4/28/2024</a:t>
             </a:fld>
             <a:endParaRPr lang="en-US"/>
           </a:p>
@@ -771,17 +771,14 @@
                 <a:spcPct val="90000"/>
               </a:lnSpc>
             </a:pPr>
-            <a:r>
-              <a:rPr lang="en-US" sz="1600" dirty="0">
-                <a:ln>
-                  <a:noFill/>
-                </a:ln>
-                <a:solidFill>
-                  <a:schemeClr val="bg1"/>
-                </a:solidFill>
-              </a:rPr>
-              <a:t>exascaleproject.org</a:t>
-            </a:r>
+            <a:endParaRPr lang="en-US" sz="1600" dirty="0">
+              <a:ln>
+                <a:noFill/>
+              </a:ln>
+              <a:solidFill>
+                <a:schemeClr val="bg1"/>
+              </a:solidFill>
+            </a:endParaRPr>
           </a:p>
         </p:txBody>
       </p:sp>
@@ -888,149 +885,6 @@
       </p:sp>
       <p:pic>
         <p:nvPicPr>
-          <p:cNvPr id="12" name="Picture 11"/>
-          <p:cNvPicPr>
-            <a:picLocks noChangeAspect="1"/>
-          </p:cNvPicPr>
-          <p:nvPr userDrawn="1"/>
-        </p:nvPicPr>
-        <p:blipFill>
-          <a:blip r:embed="rId2" cstate="print">
-            <a:extLst>
-              <a:ext uri="{28A0092B-C50C-407E-A947-70E740481C1C}">
-                <a14:useLocalDpi xmlns:a14="http://schemas.microsoft.com/office/drawing/2010/main" val="0"/>
-              </a:ext>
-            </a:extLst>
-          </a:blip>
-          <a:stretch>
-            <a:fillRect/>
-          </a:stretch>
-        </p:blipFill>
-        <p:spPr>
-          <a:xfrm>
-            <a:off x="362749" y="483164"/>
-            <a:ext cx="2050840" cy="935496"/>
-          </a:xfrm>
-          <a:prstGeom prst="rect">
-            <a:avLst/>
-          </a:prstGeom>
-        </p:spPr>
-      </p:pic>
-      <p:pic>
-        <p:nvPicPr>
-          <p:cNvPr id="16" name="Picture 15"/>
-          <p:cNvPicPr>
-            <a:picLocks noChangeAspect="1"/>
-          </p:cNvPicPr>
-          <p:nvPr userDrawn="1"/>
-        </p:nvPicPr>
-        <p:blipFill>
-          <a:blip r:embed="rId3" cstate="print">
-            <a:extLst>
-              <a:ext uri="{BEBA8EAE-BF5A-486C-A8C5-ECC9F3942E4B}">
-                <a14:imgProps xmlns:a14="http://schemas.microsoft.com/office/drawing/2010/main">
-                  <a14:imgLayer r:embed="rId4">
-                    <a14:imgEffect>
-                      <a14:brightnessContrast bright="100000"/>
-                    </a14:imgEffect>
-                  </a14:imgLayer>
-                </a14:imgProps>
-              </a:ext>
-              <a:ext uri="{28A0092B-C50C-407E-A947-70E740481C1C}">
-                <a14:useLocalDpi xmlns:a14="http://schemas.microsoft.com/office/drawing/2010/main" val="0"/>
-              </a:ext>
-            </a:extLst>
-          </a:blip>
-          <a:stretch>
-            <a:fillRect/>
-          </a:stretch>
-        </p:blipFill>
-        <p:spPr>
-          <a:xfrm>
-            <a:off x="7289921" y="6322747"/>
-            <a:ext cx="2409477" cy="401008"/>
-          </a:xfrm>
-          <a:prstGeom prst="rect">
-            <a:avLst/>
-          </a:prstGeom>
-        </p:spPr>
-      </p:pic>
-      <p:pic>
-        <p:nvPicPr>
-          <p:cNvPr id="17" name="Picture 16"/>
-          <p:cNvPicPr>
-            <a:picLocks noChangeAspect="1"/>
-          </p:cNvPicPr>
-          <p:nvPr userDrawn="1"/>
-        </p:nvPicPr>
-        <p:blipFill rotWithShape="1">
-          <a:blip r:embed="rId5" cstate="print">
-            <a:extLst>
-              <a:ext uri="{BEBA8EAE-BF5A-486C-A8C5-ECC9F3942E4B}">
-                <a14:imgProps xmlns:a14="http://schemas.microsoft.com/office/drawing/2010/main">
-                  <a14:imgLayer r:embed="rId6">
-                    <a14:imgEffect>
-                      <a14:brightnessContrast bright="100000"/>
-                    </a14:imgEffect>
-                  </a14:imgLayer>
-                </a14:imgProps>
-              </a:ext>
-              <a:ext uri="{28A0092B-C50C-407E-A947-70E740481C1C}">
-                <a14:useLocalDpi xmlns:a14="http://schemas.microsoft.com/office/drawing/2010/main" val="0"/>
-              </a:ext>
-            </a:extLst>
-          </a:blip>
-          <a:srcRect b="70693"/>
-          <a:stretch/>
-        </p:blipFill>
-        <p:spPr>
-          <a:xfrm>
-            <a:off x="10204521" y="6307740"/>
-            <a:ext cx="1367541" cy="428915"/>
-          </a:xfrm>
-          <a:prstGeom prst="rect">
-            <a:avLst/>
-          </a:prstGeom>
-        </p:spPr>
-      </p:pic>
-      <p:pic>
-        <p:nvPicPr>
-          <p:cNvPr id="8" name="Picture 7" descr="A picture containing shape&#10;&#10;Description automatically generated">
-            <a:extLst>
-              <a:ext uri="{FF2B5EF4-FFF2-40B4-BE49-F238E27FC236}">
-                <a16:creationId xmlns:a16="http://schemas.microsoft.com/office/drawing/2014/main" id="{C432A180-7341-4E28-8C2B-73F9AB53D13F}"/>
-              </a:ext>
-            </a:extLst>
-          </p:cNvPr>
-          <p:cNvPicPr>
-            <a:picLocks noChangeAspect="1"/>
-          </p:cNvPicPr>
-          <p:nvPr userDrawn="1"/>
-        </p:nvPicPr>
-        <p:blipFill>
-          <a:blip r:embed="rId7">
-            <a:extLst>
-              <a:ext uri="{28A0092B-C50C-407E-A947-70E740481C1C}">
-                <a14:useLocalDpi xmlns:a14="http://schemas.microsoft.com/office/drawing/2010/main" val="0"/>
-              </a:ext>
-            </a:extLst>
-          </a:blip>
-          <a:stretch>
-            <a:fillRect/>
-          </a:stretch>
-        </p:blipFill>
-        <p:spPr>
-          <a:xfrm>
-            <a:off x="333920" y="1848659"/>
-            <a:ext cx="2108499" cy="914400"/>
-          </a:xfrm>
-          <a:prstGeom prst="rect">
-            <a:avLst/>
-          </a:prstGeom>
-        </p:spPr>
-      </p:pic>
-      <p:pic>
-        <p:nvPicPr>
           <p:cNvPr id="13" name="Picture 2" descr="https://licensebuttons.net/l/by/4.0/88x31.png">
             <a:extLst>
               <a:ext uri="{FF2B5EF4-FFF2-40B4-BE49-F238E27FC236}">
@@ -1044,7 +898,7 @@
           <p:nvPr userDrawn="1"/>
         </p:nvPicPr>
         <p:blipFill>
-          <a:blip r:embed="rId8">
+          <a:blip r:embed="rId2">
             <a:extLst>
               <a:ext uri="{28A0092B-C50C-407E-A947-70E740481C1C}">
                 <a14:useLocalDpi xmlns:a14="http://schemas.microsoft.com/office/drawing/2010/main" val="0"/>
@@ -1116,42 +970,6 @@
           </a:p>
         </p:txBody>
       </p:sp>
-      <p:pic>
-        <p:nvPicPr>
-          <p:cNvPr id="15" name="Picture 14">
-            <a:extLst>
-              <a:ext uri="{FF2B5EF4-FFF2-40B4-BE49-F238E27FC236}">
-                <a16:creationId xmlns:a16="http://schemas.microsoft.com/office/drawing/2014/main" id="{C554CDC7-44CF-4751-9869-0265C8E01840}"/>
-              </a:ext>
-            </a:extLst>
-          </p:cNvPr>
-          <p:cNvPicPr>
-            <a:picLocks noChangeAspect="1"/>
-          </p:cNvPicPr>
-          <p:nvPr userDrawn="1"/>
-        </p:nvPicPr>
-        <p:blipFill>
-          <a:blip r:embed="rId9" cstate="print">
-            <a:extLst>
-              <a:ext uri="{28A0092B-C50C-407E-A947-70E740481C1C}">
-                <a14:useLocalDpi xmlns:a14="http://schemas.microsoft.com/office/drawing/2010/main" val="0"/>
-              </a:ext>
-            </a:extLst>
-          </a:blip>
-          <a:stretch>
-            <a:fillRect/>
-          </a:stretch>
-        </p:blipFill>
-        <p:spPr>
-          <a:xfrm>
-            <a:off x="333211" y="3189686"/>
-            <a:ext cx="2109916" cy="905256"/>
-          </a:xfrm>
-          <a:prstGeom prst="rect">
-            <a:avLst/>
-          </a:prstGeom>
-        </p:spPr>
-      </p:pic>
       <p:sp>
         <p:nvSpPr>
           <p:cNvPr id="6" name="Text Placeholder 5">
@@ -1400,6 +1218,491 @@
           </a:p>
         </p:txBody>
       </p:sp>
+      <p:pic>
+        <p:nvPicPr>
+          <p:cNvPr id="3" name="Picture 2">
+            <a:extLst>
+              <a:ext uri="{FF2B5EF4-FFF2-40B4-BE49-F238E27FC236}">
+                <a16:creationId xmlns:a16="http://schemas.microsoft.com/office/drawing/2014/main" id="{E5A81C43-A5B9-D933-9CA0-B9EBBA5B6295}"/>
+              </a:ext>
+            </a:extLst>
+          </p:cNvPr>
+          <p:cNvPicPr>
+            <a:picLocks noChangeAspect="1"/>
+          </p:cNvPicPr>
+          <p:nvPr userDrawn="1"/>
+        </p:nvPicPr>
+        <p:blipFill>
+          <a:blip r:embed="rId3" cstate="print">
+            <a:extLst>
+              <a:ext uri="{28A0092B-C50C-407E-A947-70E740481C1C}">
+                <a14:useLocalDpi xmlns:a14="http://schemas.microsoft.com/office/drawing/2010/main" val="0"/>
+              </a:ext>
+            </a:extLst>
+          </a:blip>
+          <a:stretch>
+            <a:fillRect/>
+          </a:stretch>
+        </p:blipFill>
+        <p:spPr>
+          <a:xfrm>
+            <a:off x="418659" y="158509"/>
+            <a:ext cx="2109916" cy="905256"/>
+          </a:xfrm>
+          <a:prstGeom prst="rect">
+            <a:avLst/>
+          </a:prstGeom>
+        </p:spPr>
+      </p:pic>
+      <p:grpSp>
+        <p:nvGrpSpPr>
+          <p:cNvPr id="5" name="Group 4">
+            <a:extLst>
+              <a:ext uri="{FF2B5EF4-FFF2-40B4-BE49-F238E27FC236}">
+                <a16:creationId xmlns:a16="http://schemas.microsoft.com/office/drawing/2014/main" id="{2211A969-E7EA-13C3-D014-C029084F4EFB}"/>
+              </a:ext>
+            </a:extLst>
+          </p:cNvPr>
+          <p:cNvGrpSpPr/>
+          <p:nvPr userDrawn="1"/>
+        </p:nvGrpSpPr>
+        <p:grpSpPr>
+          <a:xfrm>
+            <a:off x="366259" y="3655396"/>
+            <a:ext cx="2214716" cy="356329"/>
+            <a:chOff x="341278" y="3628835"/>
+            <a:chExt cx="2214716" cy="356329"/>
+          </a:xfrm>
+        </p:grpSpPr>
+        <p:pic>
+          <p:nvPicPr>
+            <p:cNvPr id="7" name="Picture 2">
+              <a:extLst>
+                <a:ext uri="{FF2B5EF4-FFF2-40B4-BE49-F238E27FC236}">
+                  <a16:creationId xmlns:a16="http://schemas.microsoft.com/office/drawing/2014/main" id="{D16A6A85-AECD-6121-D004-ECB79BC13076}"/>
+                </a:ext>
+              </a:extLst>
+            </p:cNvPr>
+            <p:cNvPicPr>
+              <a:picLocks noChangeAspect="1" noChangeArrowheads="1"/>
+            </p:cNvPicPr>
+            <p:nvPr userDrawn="1"/>
+          </p:nvPicPr>
+          <p:blipFill>
+            <a:blip r:embed="rId4">
+              <a:extLst>
+                <a:ext uri="{28A0092B-C50C-407E-A947-70E740481C1C}">
+                  <a14:useLocalDpi xmlns:a14="http://schemas.microsoft.com/office/drawing/2010/main" val="0"/>
+                </a:ext>
+              </a:extLst>
+            </a:blip>
+            <a:srcRect/>
+            <a:stretch>
+              <a:fillRect/>
+            </a:stretch>
+          </p:blipFill>
+          <p:spPr bwMode="auto">
+            <a:xfrm>
+              <a:off x="341278" y="3628835"/>
+              <a:ext cx="1005840" cy="356329"/>
+            </a:xfrm>
+            <a:prstGeom prst="rect">
+              <a:avLst/>
+            </a:prstGeom>
+            <a:noFill/>
+            <a:extLst>
+              <a:ext uri="{909E8E84-426E-40DD-AFC4-6F175D3DCCD1}">
+                <a14:hiddenFill xmlns:a14="http://schemas.microsoft.com/office/drawing/2010/main">
+                  <a:solidFill>
+                    <a:srgbClr val="FFFFFF"/>
+                  </a:solidFill>
+                </a14:hiddenFill>
+              </a:ext>
+            </a:extLst>
+          </p:spPr>
+        </p:pic>
+        <p:pic>
+          <p:nvPicPr>
+            <p:cNvPr id="10" name="Picture 4">
+              <a:extLst>
+                <a:ext uri="{FF2B5EF4-FFF2-40B4-BE49-F238E27FC236}">
+                  <a16:creationId xmlns:a16="http://schemas.microsoft.com/office/drawing/2014/main" id="{87D2793C-01C6-B180-3495-5A2067445539}"/>
+                </a:ext>
+              </a:extLst>
+            </p:cNvPr>
+            <p:cNvPicPr>
+              <a:picLocks noChangeAspect="1" noChangeArrowheads="1"/>
+            </p:cNvPicPr>
+            <p:nvPr userDrawn="1"/>
+          </p:nvPicPr>
+          <p:blipFill>
+            <a:blip r:embed="rId5" cstate="print">
+              <a:extLst>
+                <a:ext uri="{28A0092B-C50C-407E-A947-70E740481C1C}">
+                  <a14:useLocalDpi xmlns:a14="http://schemas.microsoft.com/office/drawing/2010/main" val="0"/>
+                </a:ext>
+              </a:extLst>
+            </a:blip>
+            <a:srcRect/>
+            <a:stretch>
+              <a:fillRect/>
+            </a:stretch>
+          </p:blipFill>
+          <p:spPr bwMode="auto">
+            <a:xfrm>
+              <a:off x="1550154" y="3690079"/>
+              <a:ext cx="1005840" cy="233840"/>
+            </a:xfrm>
+            <a:prstGeom prst="rect">
+              <a:avLst/>
+            </a:prstGeom>
+            <a:noFill/>
+            <a:extLst>
+              <a:ext uri="{909E8E84-426E-40DD-AFC4-6F175D3DCCD1}">
+                <a14:hiddenFill xmlns:a14="http://schemas.microsoft.com/office/drawing/2010/main">
+                  <a:solidFill>
+                    <a:srgbClr val="FFFFFF"/>
+                  </a:solidFill>
+                </a14:hiddenFill>
+              </a:ext>
+            </a:extLst>
+          </p:spPr>
+        </p:pic>
+      </p:grpSp>
+      <p:pic>
+        <p:nvPicPr>
+          <p:cNvPr id="18" name="Picture 17" descr="A black and white sign with blue text&#10;&#10;Description automatically generated">
+            <a:extLst>
+              <a:ext uri="{FF2B5EF4-FFF2-40B4-BE49-F238E27FC236}">
+                <a16:creationId xmlns:a16="http://schemas.microsoft.com/office/drawing/2014/main" id="{90ECFB80-075A-EDC0-363D-3CE459F436D1}"/>
+              </a:ext>
+            </a:extLst>
+          </p:cNvPr>
+          <p:cNvPicPr>
+            <a:picLocks noChangeAspect="1"/>
+          </p:cNvPicPr>
+          <p:nvPr userDrawn="1"/>
+        </p:nvPicPr>
+        <p:blipFill>
+          <a:blip r:embed="rId6" cstate="print">
+            <a:extLst>
+              <a:ext uri="{28A0092B-C50C-407E-A947-70E740481C1C}">
+                <a14:useLocalDpi xmlns:a14="http://schemas.microsoft.com/office/drawing/2010/main" val="0"/>
+              </a:ext>
+            </a:extLst>
+          </a:blip>
+          <a:stretch>
+            <a:fillRect/>
+          </a:stretch>
+        </p:blipFill>
+        <p:spPr>
+          <a:xfrm>
+            <a:off x="970697" y="4125123"/>
+            <a:ext cx="1005840" cy="324328"/>
+          </a:xfrm>
+          <a:prstGeom prst="rect">
+            <a:avLst/>
+          </a:prstGeom>
+        </p:spPr>
+      </p:pic>
+      <p:sp>
+        <p:nvSpPr>
+          <p:cNvPr id="19" name="TextBox 18">
+            <a:extLst>
+              <a:ext uri="{FF2B5EF4-FFF2-40B4-BE49-F238E27FC236}">
+                <a16:creationId xmlns:a16="http://schemas.microsoft.com/office/drawing/2014/main" id="{23984D22-2BE9-C684-93D1-920B201DC418}"/>
+              </a:ext>
+            </a:extLst>
+          </p:cNvPr>
+          <p:cNvSpPr txBox="1"/>
+          <p:nvPr userDrawn="1"/>
+        </p:nvSpPr>
+        <p:spPr>
+          <a:xfrm>
+            <a:off x="901538" y="1776974"/>
+            <a:ext cx="1144159" cy="350865"/>
+          </a:xfrm>
+          <a:prstGeom prst="rect">
+            <a:avLst/>
+          </a:prstGeom>
+          <a:noFill/>
+        </p:spPr>
+        <p:txBody>
+          <a:bodyPr wrap="none" lIns="118872" tIns="91440" rIns="118872" bIns="91440" rtlCol="0" anchor="ctr" anchorCtr="0">
+            <a:spAutoFit/>
+          </a:bodyPr>
+          <a:lstStyle/>
+          <a:p>
+            <a:pPr algn="l">
+              <a:lnSpc>
+                <a:spcPct val="90000"/>
+              </a:lnSpc>
+            </a:pPr>
+            <a:r>
+              <a:rPr lang="en-US" sz="1200" i="1" dirty="0"/>
+              <a:t>Presented by</a:t>
+            </a:r>
+          </a:p>
+        </p:txBody>
+      </p:sp>
+      <p:sp>
+        <p:nvSpPr>
+          <p:cNvPr id="24" name="TextBox 23">
+            <a:extLst>
+              <a:ext uri="{FF2B5EF4-FFF2-40B4-BE49-F238E27FC236}">
+                <a16:creationId xmlns:a16="http://schemas.microsoft.com/office/drawing/2014/main" id="{9EA65A86-1694-D0BE-3C46-045E2B00D094}"/>
+              </a:ext>
+            </a:extLst>
+          </p:cNvPr>
+          <p:cNvSpPr txBox="1"/>
+          <p:nvPr userDrawn="1"/>
+        </p:nvSpPr>
+        <p:spPr>
+          <a:xfrm>
+            <a:off x="28657" y="2079048"/>
+            <a:ext cx="2889921" cy="932563"/>
+          </a:xfrm>
+          <a:prstGeom prst="rect">
+            <a:avLst/>
+          </a:prstGeom>
+          <a:noFill/>
+        </p:spPr>
+        <p:txBody>
+          <a:bodyPr wrap="square" lIns="118872" tIns="91440" rIns="118872" bIns="91440" rtlCol="0" anchor="ctr" anchorCtr="0">
+            <a:spAutoFit/>
+          </a:bodyPr>
+          <a:lstStyle/>
+          <a:p>
+            <a:pPr algn="l">
+              <a:lnSpc>
+                <a:spcPct val="90000"/>
+              </a:lnSpc>
+            </a:pPr>
+            <a:r>
+              <a:rPr lang="en-US" b="1" dirty="0"/>
+              <a:t>COLABS: Collaboration for Better Software for Science</a:t>
+            </a:r>
+          </a:p>
+        </p:txBody>
+      </p:sp>
+      <p:sp>
+        <p:nvSpPr>
+          <p:cNvPr id="25" name="TextBox 24">
+            <a:extLst>
+              <a:ext uri="{FF2B5EF4-FFF2-40B4-BE49-F238E27FC236}">
+                <a16:creationId xmlns:a16="http://schemas.microsoft.com/office/drawing/2014/main" id="{7C98D32A-D229-5172-E298-9AF976ACE627}"/>
+              </a:ext>
+            </a:extLst>
+          </p:cNvPr>
+          <p:cNvSpPr txBox="1"/>
+          <p:nvPr userDrawn="1"/>
+        </p:nvSpPr>
+        <p:spPr>
+          <a:xfrm>
+            <a:off x="676315" y="3191133"/>
+            <a:ext cx="1594604" cy="350865"/>
+          </a:xfrm>
+          <a:prstGeom prst="rect">
+            <a:avLst/>
+          </a:prstGeom>
+          <a:noFill/>
+        </p:spPr>
+        <p:txBody>
+          <a:bodyPr wrap="none" lIns="118872" tIns="91440" rIns="118872" bIns="91440" rtlCol="0" anchor="ctr" anchorCtr="0">
+            <a:spAutoFit/>
+          </a:bodyPr>
+          <a:lstStyle/>
+          <a:p>
+            <a:pPr algn="l">
+              <a:lnSpc>
+                <a:spcPct val="90000"/>
+              </a:lnSpc>
+            </a:pPr>
+            <a:r>
+              <a:rPr lang="en-US" sz="1200" i="1" dirty="0"/>
+              <a:t>In collaboration with</a:t>
+            </a:r>
+          </a:p>
+        </p:txBody>
+      </p:sp>
+      <p:sp>
+        <p:nvSpPr>
+          <p:cNvPr id="26" name="TextBox 25">
+            <a:extLst>
+              <a:ext uri="{FF2B5EF4-FFF2-40B4-BE49-F238E27FC236}">
+                <a16:creationId xmlns:a16="http://schemas.microsoft.com/office/drawing/2014/main" id="{64D46951-9F99-A303-D249-27B751A562DB}"/>
+              </a:ext>
+            </a:extLst>
+          </p:cNvPr>
+          <p:cNvSpPr txBox="1"/>
+          <p:nvPr userDrawn="1"/>
+        </p:nvSpPr>
+        <p:spPr>
+          <a:xfrm>
+            <a:off x="572120" y="4562849"/>
+            <a:ext cx="1802994" cy="350865"/>
+          </a:xfrm>
+          <a:prstGeom prst="rect">
+            <a:avLst/>
+          </a:prstGeom>
+          <a:noFill/>
+        </p:spPr>
+        <p:txBody>
+          <a:bodyPr wrap="none" lIns="118872" tIns="91440" rIns="118872" bIns="91440" rtlCol="0" anchor="ctr" anchorCtr="0">
+            <a:spAutoFit/>
+          </a:bodyPr>
+          <a:lstStyle/>
+          <a:p>
+            <a:pPr algn="l">
+              <a:lnSpc>
+                <a:spcPct val="90000"/>
+              </a:lnSpc>
+            </a:pPr>
+            <a:r>
+              <a:rPr lang="en-US" sz="1200" i="1" dirty="0"/>
+              <a:t>With prior support from</a:t>
+            </a:r>
+          </a:p>
+        </p:txBody>
+      </p:sp>
+      <p:grpSp>
+        <p:nvGrpSpPr>
+          <p:cNvPr id="27" name="Group 26">
+            <a:extLst>
+              <a:ext uri="{FF2B5EF4-FFF2-40B4-BE49-F238E27FC236}">
+                <a16:creationId xmlns:a16="http://schemas.microsoft.com/office/drawing/2014/main" id="{CC665AB1-818C-15F6-A435-7A7C14109262}"/>
+              </a:ext>
+            </a:extLst>
+          </p:cNvPr>
+          <p:cNvGrpSpPr/>
+          <p:nvPr userDrawn="1"/>
+        </p:nvGrpSpPr>
+        <p:grpSpPr>
+          <a:xfrm>
+            <a:off x="355043" y="5027111"/>
+            <a:ext cx="2237149" cy="457200"/>
+            <a:chOff x="343050" y="5128711"/>
+            <a:chExt cx="2237149" cy="457200"/>
+          </a:xfrm>
+        </p:grpSpPr>
+        <p:pic>
+          <p:nvPicPr>
+            <p:cNvPr id="28" name="Picture 27">
+              <a:extLst>
+                <a:ext uri="{FF2B5EF4-FFF2-40B4-BE49-F238E27FC236}">
+                  <a16:creationId xmlns:a16="http://schemas.microsoft.com/office/drawing/2014/main" id="{D8D4DA06-93FC-7C79-22C0-69CD6E71946F}"/>
+                </a:ext>
+              </a:extLst>
+            </p:cNvPr>
+            <p:cNvPicPr>
+              <a:picLocks noChangeAspect="1"/>
+            </p:cNvPicPr>
+            <p:nvPr userDrawn="1"/>
+          </p:nvPicPr>
+          <p:blipFill>
+            <a:blip r:embed="rId7" cstate="print">
+              <a:extLst>
+                <a:ext uri="{28A0092B-C50C-407E-A947-70E740481C1C}">
+                  <a14:useLocalDpi xmlns:a14="http://schemas.microsoft.com/office/drawing/2010/main" val="0"/>
+                </a:ext>
+              </a:extLst>
+            </a:blip>
+            <a:stretch>
+              <a:fillRect/>
+            </a:stretch>
+          </p:blipFill>
+          <p:spPr>
+            <a:xfrm>
+              <a:off x="343050" y="5128711"/>
+              <a:ext cx="1002296" cy="457200"/>
+            </a:xfrm>
+            <a:prstGeom prst="rect">
+              <a:avLst/>
+            </a:prstGeom>
+          </p:spPr>
+        </p:pic>
+        <p:pic>
+          <p:nvPicPr>
+            <p:cNvPr id="29" name="Picture 28" descr="A picture containing shape&#10;&#10;Description automatically generated">
+              <a:extLst>
+                <a:ext uri="{FF2B5EF4-FFF2-40B4-BE49-F238E27FC236}">
+                  <a16:creationId xmlns:a16="http://schemas.microsoft.com/office/drawing/2014/main" id="{3A576A20-C17C-D6D5-507F-A7C5D2EE03B7}"/>
+                </a:ext>
+              </a:extLst>
+            </p:cNvPr>
+            <p:cNvPicPr>
+              <a:picLocks noChangeAspect="1"/>
+            </p:cNvPicPr>
+            <p:nvPr userDrawn="1"/>
+          </p:nvPicPr>
+          <p:blipFill>
+            <a:blip r:embed="rId8">
+              <a:extLst>
+                <a:ext uri="{28A0092B-C50C-407E-A947-70E740481C1C}">
+                  <a14:useLocalDpi xmlns:a14="http://schemas.microsoft.com/office/drawing/2010/main" val="0"/>
+                </a:ext>
+              </a:extLst>
+            </a:blip>
+            <a:stretch>
+              <a:fillRect/>
+            </a:stretch>
+          </p:blipFill>
+          <p:spPr>
+            <a:xfrm>
+              <a:off x="1525950" y="5128711"/>
+              <a:ext cx="1054249" cy="457200"/>
+            </a:xfrm>
+            <a:prstGeom prst="rect">
+              <a:avLst/>
+            </a:prstGeom>
+          </p:spPr>
+        </p:pic>
+      </p:grpSp>
+      <p:pic>
+        <p:nvPicPr>
+          <p:cNvPr id="31" name="Picture 30">
+            <a:extLst>
+              <a:ext uri="{FF2B5EF4-FFF2-40B4-BE49-F238E27FC236}">
+                <a16:creationId xmlns:a16="http://schemas.microsoft.com/office/drawing/2014/main" id="{F6BAEEDA-B6C4-7DDA-6A83-26F20E08F28B}"/>
+              </a:ext>
+            </a:extLst>
+          </p:cNvPr>
+          <p:cNvPicPr>
+            <a:picLocks noChangeAspect="1"/>
+          </p:cNvPicPr>
+          <p:nvPr userDrawn="1"/>
+        </p:nvPicPr>
+        <p:blipFill>
+          <a:blip r:embed="rId9" cstate="print">
+            <a:extLst>
+              <a:ext uri="{BEBA8EAE-BF5A-486C-A8C5-ECC9F3942E4B}">
+                <a14:imgProps xmlns:a14="http://schemas.microsoft.com/office/drawing/2010/main">
+                  <a14:imgLayer r:embed="rId10">
+                    <a14:imgEffect>
+                      <a14:brightnessContrast bright="100000"/>
+                    </a14:imgEffect>
+                  </a14:imgLayer>
+                </a14:imgProps>
+              </a:ext>
+              <a:ext uri="{28A0092B-C50C-407E-A947-70E740481C1C}">
+                <a14:useLocalDpi xmlns:a14="http://schemas.microsoft.com/office/drawing/2010/main" val="0"/>
+              </a:ext>
+            </a:extLst>
+          </a:blip>
+          <a:stretch>
+            <a:fillRect/>
+          </a:stretch>
+        </p:blipFill>
+        <p:spPr>
+          <a:xfrm>
+            <a:off x="9536165" y="6321694"/>
+            <a:ext cx="2409477" cy="401008"/>
+          </a:xfrm>
+          <a:prstGeom prst="rect">
+            <a:avLst/>
+          </a:prstGeom>
+        </p:spPr>
+      </p:pic>
     </p:spTree>
     <p:extLst>
       <p:ext uri="{BB962C8B-B14F-4D97-AF65-F5344CB8AC3E}">
@@ -1415,7 +1718,7 @@
 
 <file path=ppt/slideLayouts/slideLayout2.xml><?xml version="1.0" encoding="utf-8"?>
 <p:sldLayout xmlns:a="http://schemas.openxmlformats.org/drawingml/2006/main" xmlns:r="http://schemas.openxmlformats.org/officeDocument/2006/relationships" xmlns:p="http://schemas.openxmlformats.org/presentationml/2006/main" showMasterSp="0" preserve="1" userDrawn="1">
-  <p:cSld name="8_Title Slide">
+  <p:cSld name="10_Title Slide">
     <p:spTree>
       <p:nvGrpSpPr>
         <p:cNvPr id="1" name=""/>
@@ -1497,17 +1800,14 @@
                 <a:spcPct val="90000"/>
               </a:lnSpc>
             </a:pPr>
-            <a:r>
-              <a:rPr lang="en-US" sz="1600" dirty="0">
-                <a:ln>
-                  <a:noFill/>
-                </a:ln>
-                <a:solidFill>
-                  <a:schemeClr val="bg1"/>
-                </a:solidFill>
-              </a:rPr>
-              <a:t>exascaleproject.org</a:t>
-            </a:r>
+            <a:endParaRPr lang="en-US" sz="1600" dirty="0">
+              <a:ln>
+                <a:noFill/>
+              </a:ln>
+              <a:solidFill>
+                <a:schemeClr val="bg1"/>
+              </a:solidFill>
+            </a:endParaRPr>
           </a:p>
         </p:txBody>
       </p:sp>
@@ -1734,7 +2034,7 @@
       </p:sp>
       <p:pic>
         <p:nvPicPr>
-          <p:cNvPr id="12" name="Picture 11"/>
+          <p:cNvPr id="16" name="Picture 15"/>
           <p:cNvPicPr>
             <a:picLocks noChangeAspect="1"/>
           </p:cNvPicPr>
@@ -1743,39 +2043,9 @@
         <p:blipFill>
           <a:blip r:embed="rId2" cstate="print">
             <a:extLst>
-              <a:ext uri="{28A0092B-C50C-407E-A947-70E740481C1C}">
-                <a14:useLocalDpi xmlns:a14="http://schemas.microsoft.com/office/drawing/2010/main" val="0"/>
-              </a:ext>
-            </a:extLst>
-          </a:blip>
-          <a:stretch>
-            <a:fillRect/>
-          </a:stretch>
-        </p:blipFill>
-        <p:spPr>
-          <a:xfrm>
-            <a:off x="362749" y="483164"/>
-            <a:ext cx="2050840" cy="935496"/>
-          </a:xfrm>
-          <a:prstGeom prst="rect">
-            <a:avLst/>
-          </a:prstGeom>
-        </p:spPr>
-      </p:pic>
-      <p:pic>
-        <p:nvPicPr>
-          <p:cNvPr id="16" name="Picture 15"/>
-          <p:cNvPicPr>
-            <a:picLocks noChangeAspect="1"/>
-          </p:cNvPicPr>
-          <p:nvPr userDrawn="1"/>
-        </p:nvPicPr>
-        <p:blipFill>
-          <a:blip r:embed="rId3" cstate="print">
-            <a:extLst>
               <a:ext uri="{BEBA8EAE-BF5A-486C-A8C5-ECC9F3942E4B}">
                 <a14:imgProps xmlns:a14="http://schemas.microsoft.com/office/drawing/2010/main">
-                  <a14:imgLayer r:embed="rId4">
+                  <a14:imgLayer r:embed="rId3">
                     <a14:imgEffect>
                       <a14:brightnessContrast bright="100000"/>
                     </a14:imgEffect>
@@ -1793,82 +2063,8 @@
         </p:blipFill>
         <p:spPr>
           <a:xfrm>
-            <a:off x="7289921" y="6322747"/>
+            <a:off x="9536165" y="6321694"/>
             <a:ext cx="2409477" cy="401008"/>
-          </a:xfrm>
-          <a:prstGeom prst="rect">
-            <a:avLst/>
-          </a:prstGeom>
-        </p:spPr>
-      </p:pic>
-      <p:pic>
-        <p:nvPicPr>
-          <p:cNvPr id="17" name="Picture 16"/>
-          <p:cNvPicPr>
-            <a:picLocks noChangeAspect="1"/>
-          </p:cNvPicPr>
-          <p:nvPr userDrawn="1"/>
-        </p:nvPicPr>
-        <p:blipFill rotWithShape="1">
-          <a:blip r:embed="rId5" cstate="print">
-            <a:extLst>
-              <a:ext uri="{BEBA8EAE-BF5A-486C-A8C5-ECC9F3942E4B}">
-                <a14:imgProps xmlns:a14="http://schemas.microsoft.com/office/drawing/2010/main">
-                  <a14:imgLayer r:embed="rId6">
-                    <a14:imgEffect>
-                      <a14:brightnessContrast bright="100000"/>
-                    </a14:imgEffect>
-                  </a14:imgLayer>
-                </a14:imgProps>
-              </a:ext>
-              <a:ext uri="{28A0092B-C50C-407E-A947-70E740481C1C}">
-                <a14:useLocalDpi xmlns:a14="http://schemas.microsoft.com/office/drawing/2010/main" val="0"/>
-              </a:ext>
-            </a:extLst>
-          </a:blip>
-          <a:srcRect b="70693"/>
-          <a:stretch/>
-        </p:blipFill>
-        <p:spPr>
-          <a:xfrm>
-            <a:off x="10204521" y="6307740"/>
-            <a:ext cx="1367541" cy="428915"/>
-          </a:xfrm>
-          <a:prstGeom prst="rect">
-            <a:avLst/>
-          </a:prstGeom>
-        </p:spPr>
-      </p:pic>
-      <p:pic>
-        <p:nvPicPr>
-          <p:cNvPr id="8" name="Picture 7" descr="A picture containing shape&#10;&#10;Description automatically generated">
-            <a:extLst>
-              <a:ext uri="{FF2B5EF4-FFF2-40B4-BE49-F238E27FC236}">
-                <a16:creationId xmlns:a16="http://schemas.microsoft.com/office/drawing/2014/main" id="{C432A180-7341-4E28-8C2B-73F9AB53D13F}"/>
-              </a:ext>
-            </a:extLst>
-          </p:cNvPr>
-          <p:cNvPicPr>
-            <a:picLocks noChangeAspect="1"/>
-          </p:cNvPicPr>
-          <p:nvPr userDrawn="1"/>
-        </p:nvPicPr>
-        <p:blipFill>
-          <a:blip r:embed="rId7">
-            <a:extLst>
-              <a:ext uri="{28A0092B-C50C-407E-A947-70E740481C1C}">
-                <a14:useLocalDpi xmlns:a14="http://schemas.microsoft.com/office/drawing/2010/main" val="0"/>
-              </a:ext>
-            </a:extLst>
-          </a:blip>
-          <a:stretch>
-            <a:fillRect/>
-          </a:stretch>
-        </p:blipFill>
-        <p:spPr>
-          <a:xfrm>
-            <a:off x="333920" y="1848659"/>
-            <a:ext cx="2108499" cy="914400"/>
           </a:xfrm>
           <a:prstGeom prst="rect">
             <a:avLst/>
@@ -1890,7 +2086,7 @@
           <p:nvPr userDrawn="1"/>
         </p:nvPicPr>
         <p:blipFill>
-          <a:blip r:embed="rId8">
+          <a:blip r:embed="rId4">
             <a:extLst>
               <a:ext uri="{28A0092B-C50C-407E-A947-70E740481C1C}">
                 <a14:useLocalDpi xmlns:a14="http://schemas.microsoft.com/office/drawing/2010/main" val="0"/>
@@ -1964,10 +2160,10 @@
       </p:sp>
       <p:pic>
         <p:nvPicPr>
-          <p:cNvPr id="15" name="Picture 14">
+          <p:cNvPr id="5" name="Picture 4">
             <a:extLst>
               <a:ext uri="{FF2B5EF4-FFF2-40B4-BE49-F238E27FC236}">
-                <a16:creationId xmlns:a16="http://schemas.microsoft.com/office/drawing/2014/main" id="{C554CDC7-44CF-4751-9869-0265C8E01840}"/>
+                <a16:creationId xmlns:a16="http://schemas.microsoft.com/office/drawing/2014/main" id="{39A0B7EC-D4C0-0A37-EF93-54309C1E7E8C}"/>
               </a:ext>
             </a:extLst>
           </p:cNvPr>
@@ -1977,7 +2173,7 @@
           <p:nvPr userDrawn="1"/>
         </p:nvPicPr>
         <p:blipFill>
-          <a:blip r:embed="rId9" cstate="print">
+          <a:blip r:embed="rId5" cstate="print">
             <a:extLst>
               <a:ext uri="{28A0092B-C50C-407E-A947-70E740481C1C}">
                 <a14:useLocalDpi xmlns:a14="http://schemas.microsoft.com/office/drawing/2010/main" val="0"/>
@@ -1990,7 +2186,7 @@
         </p:blipFill>
         <p:spPr>
           <a:xfrm>
-            <a:off x="333211" y="3189686"/>
+            <a:off x="418659" y="158509"/>
             <a:ext cx="2109916" cy="905256"/>
           </a:xfrm>
           <a:prstGeom prst="rect">
@@ -1998,10 +2194,414 @@
           </a:prstGeom>
         </p:spPr>
       </p:pic>
+      <p:grpSp>
+        <p:nvGrpSpPr>
+          <p:cNvPr id="21" name="Group 20">
+            <a:extLst>
+              <a:ext uri="{FF2B5EF4-FFF2-40B4-BE49-F238E27FC236}">
+                <a16:creationId xmlns:a16="http://schemas.microsoft.com/office/drawing/2014/main" id="{23F39736-1AFA-8528-C9E3-41B55EABEDCA}"/>
+              </a:ext>
+            </a:extLst>
+          </p:cNvPr>
+          <p:cNvGrpSpPr/>
+          <p:nvPr userDrawn="1"/>
+        </p:nvGrpSpPr>
+        <p:grpSpPr>
+          <a:xfrm>
+            <a:off x="366259" y="3655396"/>
+            <a:ext cx="2214716" cy="356329"/>
+            <a:chOff x="341278" y="3628835"/>
+            <a:chExt cx="2214716" cy="356329"/>
+          </a:xfrm>
+        </p:grpSpPr>
+        <p:pic>
+          <p:nvPicPr>
+            <p:cNvPr id="6" name="Picture 2">
+              <a:extLst>
+                <a:ext uri="{FF2B5EF4-FFF2-40B4-BE49-F238E27FC236}">
+                  <a16:creationId xmlns:a16="http://schemas.microsoft.com/office/drawing/2014/main" id="{EF0692E1-7D85-78AD-9CB9-EDC5C0A1CD96}"/>
+                </a:ext>
+              </a:extLst>
+            </p:cNvPr>
+            <p:cNvPicPr>
+              <a:picLocks noChangeAspect="1" noChangeArrowheads="1"/>
+            </p:cNvPicPr>
+            <p:nvPr userDrawn="1"/>
+          </p:nvPicPr>
+          <p:blipFill>
+            <a:blip r:embed="rId6">
+              <a:extLst>
+                <a:ext uri="{28A0092B-C50C-407E-A947-70E740481C1C}">
+                  <a14:useLocalDpi xmlns:a14="http://schemas.microsoft.com/office/drawing/2010/main" val="0"/>
+                </a:ext>
+              </a:extLst>
+            </a:blip>
+            <a:srcRect/>
+            <a:stretch>
+              <a:fillRect/>
+            </a:stretch>
+          </p:blipFill>
+          <p:spPr bwMode="auto">
+            <a:xfrm>
+              <a:off x="341278" y="3628835"/>
+              <a:ext cx="1005840" cy="356329"/>
+            </a:xfrm>
+            <a:prstGeom prst="rect">
+              <a:avLst/>
+            </a:prstGeom>
+            <a:noFill/>
+            <a:extLst>
+              <a:ext uri="{909E8E84-426E-40DD-AFC4-6F175D3DCCD1}">
+                <a14:hiddenFill xmlns:a14="http://schemas.microsoft.com/office/drawing/2010/main">
+                  <a:solidFill>
+                    <a:srgbClr val="FFFFFF"/>
+                  </a:solidFill>
+                </a14:hiddenFill>
+              </a:ext>
+            </a:extLst>
+          </p:spPr>
+        </p:pic>
+        <p:pic>
+          <p:nvPicPr>
+            <p:cNvPr id="7" name="Picture 4">
+              <a:extLst>
+                <a:ext uri="{FF2B5EF4-FFF2-40B4-BE49-F238E27FC236}">
+                  <a16:creationId xmlns:a16="http://schemas.microsoft.com/office/drawing/2014/main" id="{05CDAB3D-B8D6-9AC9-8507-6F95230AEE45}"/>
+                </a:ext>
+              </a:extLst>
+            </p:cNvPr>
+            <p:cNvPicPr>
+              <a:picLocks noChangeAspect="1" noChangeArrowheads="1"/>
+            </p:cNvPicPr>
+            <p:nvPr userDrawn="1"/>
+          </p:nvPicPr>
+          <p:blipFill>
+            <a:blip r:embed="rId7" cstate="print">
+              <a:extLst>
+                <a:ext uri="{28A0092B-C50C-407E-A947-70E740481C1C}">
+                  <a14:useLocalDpi xmlns:a14="http://schemas.microsoft.com/office/drawing/2010/main" val="0"/>
+                </a:ext>
+              </a:extLst>
+            </a:blip>
+            <a:srcRect/>
+            <a:stretch>
+              <a:fillRect/>
+            </a:stretch>
+          </p:blipFill>
+          <p:spPr bwMode="auto">
+            <a:xfrm>
+              <a:off x="1550154" y="3690079"/>
+              <a:ext cx="1005840" cy="233840"/>
+            </a:xfrm>
+            <a:prstGeom prst="rect">
+              <a:avLst/>
+            </a:prstGeom>
+            <a:noFill/>
+            <a:extLst>
+              <a:ext uri="{909E8E84-426E-40DD-AFC4-6F175D3DCCD1}">
+                <a14:hiddenFill xmlns:a14="http://schemas.microsoft.com/office/drawing/2010/main">
+                  <a:solidFill>
+                    <a:srgbClr val="FFFFFF"/>
+                  </a:solidFill>
+                </a14:hiddenFill>
+              </a:ext>
+            </a:extLst>
+          </p:spPr>
+        </p:pic>
+      </p:grpSp>
+      <p:pic>
+        <p:nvPicPr>
+          <p:cNvPr id="11" name="Picture 10" descr="A black and white sign with blue text&#10;&#10;Description automatically generated">
+            <a:extLst>
+              <a:ext uri="{FF2B5EF4-FFF2-40B4-BE49-F238E27FC236}">
+                <a16:creationId xmlns:a16="http://schemas.microsoft.com/office/drawing/2014/main" id="{A50B83FE-88FB-1C61-17CC-A58C0BE092BF}"/>
+              </a:ext>
+            </a:extLst>
+          </p:cNvPr>
+          <p:cNvPicPr>
+            <a:picLocks noChangeAspect="1"/>
+          </p:cNvPicPr>
+          <p:nvPr userDrawn="1"/>
+        </p:nvPicPr>
+        <p:blipFill>
+          <a:blip r:embed="rId8" cstate="print">
+            <a:extLst>
+              <a:ext uri="{28A0092B-C50C-407E-A947-70E740481C1C}">
+                <a14:useLocalDpi xmlns:a14="http://schemas.microsoft.com/office/drawing/2010/main" val="0"/>
+              </a:ext>
+            </a:extLst>
+          </a:blip>
+          <a:stretch>
+            <a:fillRect/>
+          </a:stretch>
+        </p:blipFill>
+        <p:spPr>
+          <a:xfrm>
+            <a:off x="970697" y="4125123"/>
+            <a:ext cx="1005840" cy="324328"/>
+          </a:xfrm>
+          <a:prstGeom prst="rect">
+            <a:avLst/>
+          </a:prstGeom>
+        </p:spPr>
+      </p:pic>
+      <p:sp>
+        <p:nvSpPr>
+          <p:cNvPr id="8" name="TextBox 7">
+            <a:extLst>
+              <a:ext uri="{FF2B5EF4-FFF2-40B4-BE49-F238E27FC236}">
+                <a16:creationId xmlns:a16="http://schemas.microsoft.com/office/drawing/2014/main" id="{DBDB4EA8-7E00-EB97-386F-806F04EDC41A}"/>
+              </a:ext>
+            </a:extLst>
+          </p:cNvPr>
+          <p:cNvSpPr txBox="1"/>
+          <p:nvPr userDrawn="1"/>
+        </p:nvSpPr>
+        <p:spPr>
+          <a:xfrm>
+            <a:off x="901538" y="1776974"/>
+            <a:ext cx="1144159" cy="350865"/>
+          </a:xfrm>
+          <a:prstGeom prst="rect">
+            <a:avLst/>
+          </a:prstGeom>
+          <a:noFill/>
+        </p:spPr>
+        <p:txBody>
+          <a:bodyPr wrap="none" lIns="118872" tIns="91440" rIns="118872" bIns="91440" rtlCol="0" anchor="ctr" anchorCtr="0">
+            <a:spAutoFit/>
+          </a:bodyPr>
+          <a:lstStyle/>
+          <a:p>
+            <a:pPr algn="l">
+              <a:lnSpc>
+                <a:spcPct val="90000"/>
+              </a:lnSpc>
+            </a:pPr>
+            <a:r>
+              <a:rPr lang="en-US" sz="1200" i="1" dirty="0"/>
+              <a:t>Presented by</a:t>
+            </a:r>
+          </a:p>
+        </p:txBody>
+      </p:sp>
+      <p:sp>
+        <p:nvSpPr>
+          <p:cNvPr id="9" name="TextBox 8">
+            <a:extLst>
+              <a:ext uri="{FF2B5EF4-FFF2-40B4-BE49-F238E27FC236}">
+                <a16:creationId xmlns:a16="http://schemas.microsoft.com/office/drawing/2014/main" id="{9C6AA8F1-3D17-46A7-8926-BC4892D4C51C}"/>
+              </a:ext>
+            </a:extLst>
+          </p:cNvPr>
+          <p:cNvSpPr txBox="1"/>
+          <p:nvPr userDrawn="1"/>
+        </p:nvSpPr>
+        <p:spPr>
+          <a:xfrm>
+            <a:off x="28657" y="2079048"/>
+            <a:ext cx="2889921" cy="932563"/>
+          </a:xfrm>
+          <a:prstGeom prst="rect">
+            <a:avLst/>
+          </a:prstGeom>
+          <a:noFill/>
+        </p:spPr>
+        <p:txBody>
+          <a:bodyPr wrap="square" lIns="118872" tIns="91440" rIns="118872" bIns="91440" rtlCol="0" anchor="ctr" anchorCtr="0">
+            <a:spAutoFit/>
+          </a:bodyPr>
+          <a:lstStyle/>
+          <a:p>
+            <a:pPr algn="l">
+              <a:lnSpc>
+                <a:spcPct val="90000"/>
+              </a:lnSpc>
+            </a:pPr>
+            <a:r>
+              <a:rPr lang="en-US" b="1" dirty="0"/>
+              <a:t>COLABS: Collaboration for Better Software for Science</a:t>
+            </a:r>
+          </a:p>
+        </p:txBody>
+      </p:sp>
+      <p:sp>
+        <p:nvSpPr>
+          <p:cNvPr id="10" name="TextBox 9">
+            <a:extLst>
+              <a:ext uri="{FF2B5EF4-FFF2-40B4-BE49-F238E27FC236}">
+                <a16:creationId xmlns:a16="http://schemas.microsoft.com/office/drawing/2014/main" id="{CE38D39D-3F53-1EF5-8F58-4DF913CFD07D}"/>
+              </a:ext>
+            </a:extLst>
+          </p:cNvPr>
+          <p:cNvSpPr txBox="1"/>
+          <p:nvPr userDrawn="1"/>
+        </p:nvSpPr>
+        <p:spPr>
+          <a:xfrm>
+            <a:off x="676315" y="3191133"/>
+            <a:ext cx="1594604" cy="350865"/>
+          </a:xfrm>
+          <a:prstGeom prst="rect">
+            <a:avLst/>
+          </a:prstGeom>
+          <a:noFill/>
+        </p:spPr>
+        <p:txBody>
+          <a:bodyPr wrap="none" lIns="118872" tIns="91440" rIns="118872" bIns="91440" rtlCol="0" anchor="ctr" anchorCtr="0">
+            <a:spAutoFit/>
+          </a:bodyPr>
+          <a:lstStyle/>
+          <a:p>
+            <a:pPr algn="l">
+              <a:lnSpc>
+                <a:spcPct val="90000"/>
+              </a:lnSpc>
+            </a:pPr>
+            <a:r>
+              <a:rPr lang="en-US" sz="1200" i="1" dirty="0"/>
+              <a:t>In collaboration with</a:t>
+            </a:r>
+          </a:p>
+        </p:txBody>
+      </p:sp>
+      <p:sp>
+        <p:nvSpPr>
+          <p:cNvPr id="15" name="TextBox 14">
+            <a:extLst>
+              <a:ext uri="{FF2B5EF4-FFF2-40B4-BE49-F238E27FC236}">
+                <a16:creationId xmlns:a16="http://schemas.microsoft.com/office/drawing/2014/main" id="{38A567DA-27A0-BFAF-CB9E-0EA56E125664}"/>
+              </a:ext>
+            </a:extLst>
+          </p:cNvPr>
+          <p:cNvSpPr txBox="1"/>
+          <p:nvPr userDrawn="1"/>
+        </p:nvSpPr>
+        <p:spPr>
+          <a:xfrm>
+            <a:off x="572120" y="4562849"/>
+            <a:ext cx="1802994" cy="350865"/>
+          </a:xfrm>
+          <a:prstGeom prst="rect">
+            <a:avLst/>
+          </a:prstGeom>
+          <a:noFill/>
+        </p:spPr>
+        <p:txBody>
+          <a:bodyPr wrap="none" lIns="118872" tIns="91440" rIns="118872" bIns="91440" rtlCol="0" anchor="ctr" anchorCtr="0">
+            <a:spAutoFit/>
+          </a:bodyPr>
+          <a:lstStyle/>
+          <a:p>
+            <a:pPr algn="l">
+              <a:lnSpc>
+                <a:spcPct val="90000"/>
+              </a:lnSpc>
+            </a:pPr>
+            <a:r>
+              <a:rPr lang="en-US" sz="1200" i="1" dirty="0"/>
+              <a:t>With prior support from</a:t>
+            </a:r>
+          </a:p>
+        </p:txBody>
+      </p:sp>
+      <p:grpSp>
+        <p:nvGrpSpPr>
+          <p:cNvPr id="20" name="Group 19">
+            <a:extLst>
+              <a:ext uri="{FF2B5EF4-FFF2-40B4-BE49-F238E27FC236}">
+                <a16:creationId xmlns:a16="http://schemas.microsoft.com/office/drawing/2014/main" id="{63A83523-6C92-DDA5-E072-BAC75B3276B6}"/>
+              </a:ext>
+            </a:extLst>
+          </p:cNvPr>
+          <p:cNvGrpSpPr/>
+          <p:nvPr userDrawn="1"/>
+        </p:nvGrpSpPr>
+        <p:grpSpPr>
+          <a:xfrm>
+            <a:off x="355043" y="5027111"/>
+            <a:ext cx="2237149" cy="457200"/>
+            <a:chOff x="343050" y="5128711"/>
+            <a:chExt cx="2237149" cy="457200"/>
+          </a:xfrm>
+        </p:grpSpPr>
+        <p:pic>
+          <p:nvPicPr>
+            <p:cNvPr id="17" name="Picture 16">
+              <a:extLst>
+                <a:ext uri="{FF2B5EF4-FFF2-40B4-BE49-F238E27FC236}">
+                  <a16:creationId xmlns:a16="http://schemas.microsoft.com/office/drawing/2014/main" id="{70EB972A-C812-2D11-E993-9648F06DCD53}"/>
+                </a:ext>
+              </a:extLst>
+            </p:cNvPr>
+            <p:cNvPicPr>
+              <a:picLocks noChangeAspect="1"/>
+            </p:cNvPicPr>
+            <p:nvPr userDrawn="1"/>
+          </p:nvPicPr>
+          <p:blipFill>
+            <a:blip r:embed="rId9" cstate="print">
+              <a:extLst>
+                <a:ext uri="{28A0092B-C50C-407E-A947-70E740481C1C}">
+                  <a14:useLocalDpi xmlns:a14="http://schemas.microsoft.com/office/drawing/2010/main" val="0"/>
+                </a:ext>
+              </a:extLst>
+            </a:blip>
+            <a:stretch>
+              <a:fillRect/>
+            </a:stretch>
+          </p:blipFill>
+          <p:spPr>
+            <a:xfrm>
+              <a:off x="343050" y="5128711"/>
+              <a:ext cx="1002296" cy="457200"/>
+            </a:xfrm>
+            <a:prstGeom prst="rect">
+              <a:avLst/>
+            </a:prstGeom>
+          </p:spPr>
+        </p:pic>
+        <p:pic>
+          <p:nvPicPr>
+            <p:cNvPr id="18" name="Picture 17" descr="A picture containing shape&#10;&#10;Description automatically generated">
+              <a:extLst>
+                <a:ext uri="{FF2B5EF4-FFF2-40B4-BE49-F238E27FC236}">
+                  <a16:creationId xmlns:a16="http://schemas.microsoft.com/office/drawing/2014/main" id="{DC5CC62A-5FBA-A239-536C-E231ED3105F0}"/>
+                </a:ext>
+              </a:extLst>
+            </p:cNvPr>
+            <p:cNvPicPr>
+              <a:picLocks noChangeAspect="1"/>
+            </p:cNvPicPr>
+            <p:nvPr userDrawn="1"/>
+          </p:nvPicPr>
+          <p:blipFill>
+            <a:blip r:embed="rId10">
+              <a:extLst>
+                <a:ext uri="{28A0092B-C50C-407E-A947-70E740481C1C}">
+                  <a14:useLocalDpi xmlns:a14="http://schemas.microsoft.com/office/drawing/2010/main" val="0"/>
+                </a:ext>
+              </a:extLst>
+            </a:blip>
+            <a:stretch>
+              <a:fillRect/>
+            </a:stretch>
+          </p:blipFill>
+          <p:spPr>
+            <a:xfrm>
+              <a:off x="1525950" y="5128711"/>
+              <a:ext cx="1054249" cy="457200"/>
+            </a:xfrm>
+            <a:prstGeom prst="rect">
+              <a:avLst/>
+            </a:prstGeom>
+          </p:spPr>
+        </p:pic>
+      </p:grpSp>
     </p:spTree>
     <p:extLst>
       <p:ext uri="{BB962C8B-B14F-4D97-AF65-F5344CB8AC3E}">
-        <p14:creationId xmlns:p14="http://schemas.microsoft.com/office/powerpoint/2010/main" val="451228200"/>
+        <p14:creationId xmlns:p14="http://schemas.microsoft.com/office/powerpoint/2010/main" val="1912427469"/>
       </p:ext>
     </p:extLst>
   </p:cSld>
@@ -3836,7 +4436,7 @@
   <p:clrMap bg1="lt1" tx1="dk1" bg2="lt2" tx2="dk2" accent1="accent1" accent2="accent2" accent3="accent3" accent4="accent4" accent5="accent5" accent6="accent6" hlink="hlink" folHlink="folHlink"/>
   <p:sldLayoutIdLst>
     <p:sldLayoutId id="2147483952" r:id="rId1"/>
-    <p:sldLayoutId id="2147483951" r:id="rId2"/>
+    <p:sldLayoutId id="2147483953" r:id="rId2"/>
     <p:sldLayoutId id="2147483937" r:id="rId3"/>
     <p:sldLayoutId id="2147483939" r:id="rId4"/>
     <p:sldLayoutId id="2147483950" r:id="rId5"/>
@@ -5401,12 +6001,6 @@
 </file>
 
 <file path=customXml/item1.xml><?xml version="1.0" encoding="utf-8"?>
-<p:properties xmlns:p="http://schemas.microsoft.com/office/2006/metadata/properties" xmlns:xsi="http://www.w3.org/2001/XMLSchema-instance" xmlns:pc="http://schemas.microsoft.com/office/infopath/2007/PartnerControls">
-  <documentManagement/>
-</p:properties>
-</file>
-
-<file path=customXml/item2.xml><?xml version="1.0" encoding="utf-8"?>
 <ct:contentTypeSchema xmlns:ct="http://schemas.microsoft.com/office/2006/metadata/contentType" xmlns:ma="http://schemas.microsoft.com/office/2006/metadata/properties/metaAttributes" ct:_="" ma:_="" ma:contentTypeName="Document" ma:contentTypeID="0x010100565464437F680748A68B85EB6594EA7D" ma:contentTypeVersion="0" ma:contentTypeDescription="Create a new document." ma:contentTypeScope="" ma:versionID="fe3f4dd58d5914c51cfc6deaa8ad845c">
   <xsd:schema xmlns:xsd="http://www.w3.org/2001/XMLSchema" xmlns:p="http://schemas.microsoft.com/office/2006/metadata/properties" targetNamespace="http://schemas.microsoft.com/office/2006/metadata/properties" ma:root="true" ma:fieldsID="4aeb20c0e3442673af7ee10786458764">
     <xsd:element name="properties">
@@ -5455,6 +6049,12 @@
 </ct:contentTypeSchema>
 </file>
 
+<file path=customXml/item2.xml><?xml version="1.0" encoding="utf-8"?>
+<p:properties xmlns:p="http://schemas.microsoft.com/office/2006/metadata/properties" xmlns:xsi="http://www.w3.org/2001/XMLSchema-instance" xmlns:pc="http://schemas.microsoft.com/office/infopath/2007/PartnerControls">
+  <documentManagement/>
+</p:properties>
+</file>
+
 <file path=customXml/item3.xml><?xml version="1.0" encoding="utf-8"?>
 <?mso-contentType ?>
 <FormTemplates xmlns="http://schemas.microsoft.com/sharepoint/v3/contenttype/forms">
@@ -5465,6 +6065,21 @@
 </file>
 
 <file path=customXml/itemProps1.xml><?xml version="1.0" encoding="utf-8"?>
+<ds:datastoreItem xmlns:ds="http://schemas.openxmlformats.org/officeDocument/2006/customXml" ds:itemID="{E8DB7DEB-074E-4EE8-9B6E-FD277323109C}">
+  <ds:schemaRefs>
+    <ds:schemaRef ds:uri="http://schemas.microsoft.com/office/2006/metadata/contentType"/>
+    <ds:schemaRef ds:uri="http://schemas.microsoft.com/office/2006/metadata/properties/metaAttributes"/>
+    <ds:schemaRef ds:uri="http://www.w3.org/2001/XMLSchema"/>
+    <ds:schemaRef ds:uri="http://schemas.microsoft.com/office/2006/metadata/properties"/>
+    <ds:schemaRef ds:uri="http://schemas.openxmlformats.org/package/2006/metadata/core-properties"/>
+    <ds:schemaRef ds:uri="http://purl.org/dc/elements/1.1/"/>
+    <ds:schemaRef ds:uri="http://purl.org/dc/terms/"/>
+    <ds:schemaRef ds:uri="http://schemas.microsoft.com/office/internal/2005/internalDocumentation"/>
+  </ds:schemaRefs>
+</ds:datastoreItem>
+</file>
+
+<file path=customXml/itemProps2.xml><?xml version="1.0" encoding="utf-8"?>
 <ds:datastoreItem xmlns:ds="http://schemas.openxmlformats.org/officeDocument/2006/customXml" ds:itemID="{A50EC660-24D0-43A0-AE5E-E274115E726B}">
   <ds:schemaRefs>
     <ds:schemaRef ds:uri="http://purl.org/dc/elements/1.1/"/>
@@ -5479,21 +6094,6 @@
 </ds:datastoreItem>
 </file>
 
-<file path=customXml/itemProps2.xml><?xml version="1.0" encoding="utf-8"?>
-<ds:datastoreItem xmlns:ds="http://schemas.openxmlformats.org/officeDocument/2006/customXml" ds:itemID="{E8DB7DEB-074E-4EE8-9B6E-FD277323109C}">
-  <ds:schemaRefs>
-    <ds:schemaRef ds:uri="http://schemas.microsoft.com/office/2006/metadata/contentType"/>
-    <ds:schemaRef ds:uri="http://schemas.microsoft.com/office/2006/metadata/properties/metaAttributes"/>
-    <ds:schemaRef ds:uri="http://www.w3.org/2001/XMLSchema"/>
-    <ds:schemaRef ds:uri="http://schemas.microsoft.com/office/2006/metadata/properties"/>
-    <ds:schemaRef ds:uri="http://schemas.openxmlformats.org/package/2006/metadata/core-properties"/>
-    <ds:schemaRef ds:uri="http://purl.org/dc/elements/1.1/"/>
-    <ds:schemaRef ds:uri="http://purl.org/dc/terms/"/>
-    <ds:schemaRef ds:uri="http://schemas.microsoft.com/office/internal/2005/internalDocumentation"/>
-  </ds:schemaRefs>
-</ds:datastoreItem>
-</file>
-
 <file path=customXml/itemProps3.xml><?xml version="1.0" encoding="utf-8"?>
 <ds:datastoreItem xmlns:ds="http://schemas.openxmlformats.org/officeDocument/2006/customXml" ds:itemID="{19E20559-B232-4371-8690-E3D8007EDB82}">
   <ds:schemaRefs>
